--- a/presentation-source/03-implementing-rest.pptx
+++ b/presentation-source/03-implementing-rest.pptx
@@ -138,6 +138,22 @@
       </a:defRPr>
     </a:lvl9pPr>
   </p:defaultTextStyle>
+  <p:extLst>
+    <p:ext uri="{EFAFB233-063F-42B5-8137-9DF3F51BA10A}">
+      <p15:sldGuideLst xmlns:p15="http://schemas.microsoft.com/office/powerpoint/2012/main">
+        <p15:guide id="1" orient="horz" pos="2160">
+          <p15:clr>
+            <a:srgbClr val="A4A3A4"/>
+          </p15:clr>
+        </p15:guide>
+        <p15:guide id="2" pos="2880">
+          <p15:clr>
+            <a:srgbClr val="A4A3A4"/>
+          </p15:clr>
+        </p15:guide>
+      </p15:sldGuideLst>
+    </p:ext>
+  </p:extLst>
 </p:presentation>
 </file>
 
@@ -228,7 +244,7 @@
             <a:fld id="{7307762F-A706-E543-A832-3C298AA3103F}" type="datetimeFigureOut">
               <a:rPr lang="en-US" smtClean="0"/>
               <a:pPr/>
-              <a:t>28/11/18</a:t>
+              <a:t>11/17/19</a:t>
             </a:fld>
             <a:endParaRPr lang="en-US" dirty="0"/>
           </a:p>
@@ -292,38 +308,37 @@
           <a:p>
             <a:pPr lvl="0"/>
             <a:r>
-              <a:rPr lang="en-US" dirty="0" smtClean="0"/>
+              <a:rPr lang="en-US" dirty="0"/>
               <a:t>Click to edit Master text styles</a:t>
             </a:r>
           </a:p>
           <a:p>
             <a:pPr lvl="1"/>
             <a:r>
-              <a:rPr lang="en-US" dirty="0" smtClean="0"/>
+              <a:rPr lang="en-US" dirty="0"/>
               <a:t>Second level</a:t>
             </a:r>
           </a:p>
           <a:p>
             <a:pPr lvl="2"/>
             <a:r>
-              <a:rPr lang="en-US" dirty="0" smtClean="0"/>
+              <a:rPr lang="en-US" dirty="0"/>
               <a:t>Third level</a:t>
             </a:r>
           </a:p>
           <a:p>
             <a:pPr lvl="3"/>
             <a:r>
-              <a:rPr lang="en-US" dirty="0" smtClean="0"/>
+              <a:rPr lang="en-US" dirty="0"/>
               <a:t>Fourth level</a:t>
             </a:r>
           </a:p>
           <a:p>
             <a:pPr lvl="4"/>
             <a:r>
-              <a:rPr lang="en-US" dirty="0" smtClean="0"/>
+              <a:rPr lang="en-US" dirty="0"/>
               <a:t>Fifth level</a:t>
             </a:r>
-            <a:endParaRPr lang="en-US" dirty="0"/>
           </a:p>
         </p:txBody>
       </p:sp>
@@ -539,10 +554,9 @@
           <a:lstStyle/>
           <a:p>
             <a:r>
-              <a:rPr lang="en-US" smtClean="0"/>
+              <a:rPr lang="en-US"/>
               <a:t>Click to edit Master title style</a:t>
             </a:r>
-            <a:endParaRPr lang="en-US"/>
           </a:p>
         </p:txBody>
       </p:sp>
@@ -658,10 +672,9 @@
           </a:lstStyle>
           <a:p>
             <a:r>
-              <a:rPr lang="en-US" smtClean="0"/>
+              <a:rPr lang="en-US"/>
               <a:t>Click to edit Master subtitle style</a:t>
             </a:r>
-            <a:endParaRPr lang="en-US"/>
           </a:p>
         </p:txBody>
       </p:sp>
@@ -711,10 +724,9 @@
           <a:lstStyle/>
           <a:p>
             <a:r>
-              <a:rPr lang="en-US" smtClean="0"/>
+              <a:rPr lang="en-US"/>
               <a:t>Click to edit Master title style</a:t>
             </a:r>
-            <a:endParaRPr lang="en-US"/>
           </a:p>
         </p:txBody>
       </p:sp>
@@ -735,38 +747,37 @@
           <a:p>
             <a:pPr lvl="0"/>
             <a:r>
-              <a:rPr lang="en-US" smtClean="0"/>
+              <a:rPr lang="en-US"/>
               <a:t>Click to edit Master text styles</a:t>
             </a:r>
           </a:p>
           <a:p>
             <a:pPr lvl="1"/>
             <a:r>
-              <a:rPr lang="en-US" smtClean="0"/>
+              <a:rPr lang="en-US"/>
               <a:t>Second level</a:t>
             </a:r>
           </a:p>
           <a:p>
             <a:pPr lvl="2"/>
             <a:r>
-              <a:rPr lang="en-US" smtClean="0"/>
+              <a:rPr lang="en-US"/>
               <a:t>Third level</a:t>
             </a:r>
           </a:p>
           <a:p>
             <a:pPr lvl="3"/>
             <a:r>
-              <a:rPr lang="en-US" smtClean="0"/>
+              <a:rPr lang="en-US"/>
               <a:t>Fourth level</a:t>
             </a:r>
           </a:p>
           <a:p>
             <a:pPr lvl="4"/>
             <a:r>
-              <a:rPr lang="en-US" smtClean="0"/>
+              <a:rPr lang="en-US"/>
               <a:t>Fifth level</a:t>
             </a:r>
-            <a:endParaRPr lang="en-US"/>
           </a:p>
         </p:txBody>
       </p:sp>
@@ -795,7 +806,7 @@
           <a:p>
             <a:fld id="{875CF0EB-321F-0749-B37A-89BBA859503C}" type="datetimeFigureOut">
               <a:rPr lang="en-US" smtClean="0"/>
-              <a:t>28/11/18</a:t>
+              <a:t>11/17/19</a:t>
             </a:fld>
             <a:endParaRPr lang="en-US"/>
           </a:p>
@@ -910,10 +921,9 @@
           <a:lstStyle/>
           <a:p>
             <a:r>
-              <a:rPr lang="en-US" smtClean="0"/>
+              <a:rPr lang="en-US"/>
               <a:t>Click to edit Master title style</a:t>
             </a:r>
-            <a:endParaRPr lang="en-US"/>
           </a:p>
         </p:txBody>
       </p:sp>
@@ -939,38 +949,37 @@
           <a:p>
             <a:pPr lvl="0"/>
             <a:r>
-              <a:rPr lang="en-US" smtClean="0"/>
+              <a:rPr lang="en-US"/>
               <a:t>Click to edit Master text styles</a:t>
             </a:r>
           </a:p>
           <a:p>
             <a:pPr lvl="1"/>
             <a:r>
-              <a:rPr lang="en-US" smtClean="0"/>
+              <a:rPr lang="en-US"/>
               <a:t>Second level</a:t>
             </a:r>
           </a:p>
           <a:p>
             <a:pPr lvl="2"/>
             <a:r>
-              <a:rPr lang="en-US" smtClean="0"/>
+              <a:rPr lang="en-US"/>
               <a:t>Third level</a:t>
             </a:r>
           </a:p>
           <a:p>
             <a:pPr lvl="3"/>
             <a:r>
-              <a:rPr lang="en-US" smtClean="0"/>
+              <a:rPr lang="en-US"/>
               <a:t>Fourth level</a:t>
             </a:r>
           </a:p>
           <a:p>
             <a:pPr lvl="4"/>
             <a:r>
-              <a:rPr lang="en-US" smtClean="0"/>
+              <a:rPr lang="en-US"/>
               <a:t>Fifth level</a:t>
             </a:r>
-            <a:endParaRPr lang="en-US"/>
           </a:p>
         </p:txBody>
       </p:sp>
@@ -999,7 +1008,7 @@
           <a:p>
             <a:fld id="{875CF0EB-321F-0749-B37A-89BBA859503C}" type="datetimeFigureOut">
               <a:rPr lang="en-US" smtClean="0"/>
-              <a:t>28/11/18</a:t>
+              <a:t>11/17/19</a:t>
             </a:fld>
             <a:endParaRPr lang="en-US"/>
           </a:p>
@@ -1109,10 +1118,9 @@
           <a:lstStyle/>
           <a:p>
             <a:r>
-              <a:rPr lang="en-US" smtClean="0"/>
+              <a:rPr lang="en-US"/>
               <a:t>Click to edit Master title style</a:t>
             </a:r>
-            <a:endParaRPr lang="en-US"/>
           </a:p>
         </p:txBody>
       </p:sp>
@@ -1133,38 +1141,37 @@
           <a:p>
             <a:pPr lvl="0"/>
             <a:r>
-              <a:rPr lang="en-US" smtClean="0"/>
+              <a:rPr lang="en-US"/>
               <a:t>Click to edit Master text styles</a:t>
             </a:r>
           </a:p>
           <a:p>
             <a:pPr lvl="1"/>
             <a:r>
-              <a:rPr lang="en-US" smtClean="0"/>
+              <a:rPr lang="en-US"/>
               <a:t>Second level</a:t>
             </a:r>
           </a:p>
           <a:p>
             <a:pPr lvl="2"/>
             <a:r>
-              <a:rPr lang="en-US" smtClean="0"/>
+              <a:rPr lang="en-US"/>
               <a:t>Third level</a:t>
             </a:r>
           </a:p>
           <a:p>
             <a:pPr lvl="3"/>
             <a:r>
-              <a:rPr lang="en-US" smtClean="0"/>
+              <a:rPr lang="en-US"/>
               <a:t>Fourth level</a:t>
             </a:r>
           </a:p>
           <a:p>
             <a:pPr lvl="4"/>
             <a:r>
-              <a:rPr lang="en-US" smtClean="0"/>
+              <a:rPr lang="en-US"/>
               <a:t>Fifth level</a:t>
             </a:r>
-            <a:endParaRPr lang="en-US"/>
           </a:p>
         </p:txBody>
       </p:sp>
@@ -1193,7 +1200,7 @@
           <a:p>
             <a:fld id="{875CF0EB-321F-0749-B37A-89BBA859503C}" type="datetimeFigureOut">
               <a:rPr lang="en-US" smtClean="0"/>
-              <a:t>28/11/18</a:t>
+              <a:t>11/17/19</a:t>
             </a:fld>
             <a:endParaRPr lang="en-US"/>
           </a:p>
@@ -1312,10 +1319,9 @@
           </a:lstStyle>
           <a:p>
             <a:r>
-              <a:rPr lang="en-US" smtClean="0"/>
+              <a:rPr lang="en-US"/>
               <a:t>Click to edit Master title style</a:t>
             </a:r>
-            <a:endParaRPr lang="en-US"/>
           </a:p>
         </p:txBody>
       </p:sp>
@@ -1432,7 +1438,7 @@
           <a:p>
             <a:pPr lvl="0"/>
             <a:r>
-              <a:rPr lang="en-US" smtClean="0"/>
+              <a:rPr lang="en-US"/>
               <a:t>Click to edit Master text styles</a:t>
             </a:r>
           </a:p>
@@ -1463,7 +1469,7 @@
           <a:p>
             <a:fld id="{875CF0EB-321F-0749-B37A-89BBA859503C}" type="datetimeFigureOut">
               <a:rPr lang="en-US" smtClean="0"/>
-              <a:t>28/11/18</a:t>
+              <a:t>11/17/19</a:t>
             </a:fld>
             <a:endParaRPr lang="en-US"/>
           </a:p>
@@ -1573,10 +1579,9 @@
           <a:lstStyle/>
           <a:p>
             <a:r>
-              <a:rPr lang="en-US" smtClean="0"/>
+              <a:rPr lang="en-US"/>
               <a:t>Click to edit Master title style</a:t>
             </a:r>
-            <a:endParaRPr lang="en-US"/>
           </a:p>
         </p:txBody>
       </p:sp>
@@ -1630,38 +1635,37 @@
           <a:p>
             <a:pPr lvl="0"/>
             <a:r>
-              <a:rPr lang="en-US" smtClean="0"/>
+              <a:rPr lang="en-US"/>
               <a:t>Click to edit Master text styles</a:t>
             </a:r>
           </a:p>
           <a:p>
             <a:pPr lvl="1"/>
             <a:r>
-              <a:rPr lang="en-US" smtClean="0"/>
+              <a:rPr lang="en-US"/>
               <a:t>Second level</a:t>
             </a:r>
           </a:p>
           <a:p>
             <a:pPr lvl="2"/>
             <a:r>
-              <a:rPr lang="en-US" smtClean="0"/>
+              <a:rPr lang="en-US"/>
               <a:t>Third level</a:t>
             </a:r>
           </a:p>
           <a:p>
             <a:pPr lvl="3"/>
             <a:r>
-              <a:rPr lang="en-US" smtClean="0"/>
+              <a:rPr lang="en-US"/>
               <a:t>Fourth level</a:t>
             </a:r>
           </a:p>
           <a:p>
             <a:pPr lvl="4"/>
             <a:r>
-              <a:rPr lang="en-US" smtClean="0"/>
+              <a:rPr lang="en-US"/>
               <a:t>Fifth level</a:t>
             </a:r>
-            <a:endParaRPr lang="en-US"/>
           </a:p>
         </p:txBody>
       </p:sp>
@@ -1715,38 +1719,37 @@
           <a:p>
             <a:pPr lvl="0"/>
             <a:r>
-              <a:rPr lang="en-US" smtClean="0"/>
+              <a:rPr lang="en-US"/>
               <a:t>Click to edit Master text styles</a:t>
             </a:r>
           </a:p>
           <a:p>
             <a:pPr lvl="1"/>
             <a:r>
-              <a:rPr lang="en-US" smtClean="0"/>
+              <a:rPr lang="en-US"/>
               <a:t>Second level</a:t>
             </a:r>
           </a:p>
           <a:p>
             <a:pPr lvl="2"/>
             <a:r>
-              <a:rPr lang="en-US" smtClean="0"/>
+              <a:rPr lang="en-US"/>
               <a:t>Third level</a:t>
             </a:r>
           </a:p>
           <a:p>
             <a:pPr lvl="3"/>
             <a:r>
-              <a:rPr lang="en-US" smtClean="0"/>
+              <a:rPr lang="en-US"/>
               <a:t>Fourth level</a:t>
             </a:r>
           </a:p>
           <a:p>
             <a:pPr lvl="4"/>
             <a:r>
-              <a:rPr lang="en-US" smtClean="0"/>
+              <a:rPr lang="en-US"/>
               <a:t>Fifth level</a:t>
             </a:r>
-            <a:endParaRPr lang="en-US"/>
           </a:p>
         </p:txBody>
       </p:sp>
@@ -1775,7 +1778,7 @@
           <a:p>
             <a:fld id="{875CF0EB-321F-0749-B37A-89BBA859503C}" type="datetimeFigureOut">
               <a:rPr lang="en-US" smtClean="0"/>
-              <a:t>28/11/18</a:t>
+              <a:t>11/17/19</a:t>
             </a:fld>
             <a:endParaRPr lang="en-US"/>
           </a:p>
@@ -1889,10 +1892,9 @@
           </a:lstStyle>
           <a:p>
             <a:r>
-              <a:rPr lang="en-US" smtClean="0"/>
+              <a:rPr lang="en-US"/>
               <a:t>Click to edit Master title style</a:t>
             </a:r>
-            <a:endParaRPr lang="en-US"/>
           </a:p>
         </p:txBody>
       </p:sp>
@@ -1955,7 +1957,7 @@
           <a:p>
             <a:pPr lvl="0"/>
             <a:r>
-              <a:rPr lang="en-US" smtClean="0"/>
+              <a:rPr lang="en-US"/>
               <a:t>Click to edit Master text styles</a:t>
             </a:r>
           </a:p>
@@ -2011,38 +2013,37 @@
           <a:p>
             <a:pPr lvl="0"/>
             <a:r>
-              <a:rPr lang="en-US" smtClean="0"/>
+              <a:rPr lang="en-US"/>
               <a:t>Click to edit Master text styles</a:t>
             </a:r>
           </a:p>
           <a:p>
             <a:pPr lvl="1"/>
             <a:r>
-              <a:rPr lang="en-US" smtClean="0"/>
+              <a:rPr lang="en-US"/>
               <a:t>Second level</a:t>
             </a:r>
           </a:p>
           <a:p>
             <a:pPr lvl="2"/>
             <a:r>
-              <a:rPr lang="en-US" smtClean="0"/>
+              <a:rPr lang="en-US"/>
               <a:t>Third level</a:t>
             </a:r>
           </a:p>
           <a:p>
             <a:pPr lvl="3"/>
             <a:r>
-              <a:rPr lang="en-US" smtClean="0"/>
+              <a:rPr lang="en-US"/>
               <a:t>Fourth level</a:t>
             </a:r>
           </a:p>
           <a:p>
             <a:pPr lvl="4"/>
             <a:r>
-              <a:rPr lang="en-US" smtClean="0"/>
+              <a:rPr lang="en-US"/>
               <a:t>Fifth level</a:t>
             </a:r>
-            <a:endParaRPr lang="en-US"/>
           </a:p>
         </p:txBody>
       </p:sp>
@@ -2105,7 +2106,7 @@
           <a:p>
             <a:pPr lvl="0"/>
             <a:r>
-              <a:rPr lang="en-US" smtClean="0"/>
+              <a:rPr lang="en-US"/>
               <a:t>Click to edit Master text styles</a:t>
             </a:r>
           </a:p>
@@ -2161,38 +2162,37 @@
           <a:p>
             <a:pPr lvl="0"/>
             <a:r>
-              <a:rPr lang="en-US" smtClean="0"/>
+              <a:rPr lang="en-US"/>
               <a:t>Click to edit Master text styles</a:t>
             </a:r>
           </a:p>
           <a:p>
             <a:pPr lvl="1"/>
             <a:r>
-              <a:rPr lang="en-US" smtClean="0"/>
+              <a:rPr lang="en-US"/>
               <a:t>Second level</a:t>
             </a:r>
           </a:p>
           <a:p>
             <a:pPr lvl="2"/>
             <a:r>
-              <a:rPr lang="en-US" smtClean="0"/>
+              <a:rPr lang="en-US"/>
               <a:t>Third level</a:t>
             </a:r>
           </a:p>
           <a:p>
             <a:pPr lvl="3"/>
             <a:r>
-              <a:rPr lang="en-US" smtClean="0"/>
+              <a:rPr lang="en-US"/>
               <a:t>Fourth level</a:t>
             </a:r>
           </a:p>
           <a:p>
             <a:pPr lvl="4"/>
             <a:r>
-              <a:rPr lang="en-US" smtClean="0"/>
+              <a:rPr lang="en-US"/>
               <a:t>Fifth level</a:t>
             </a:r>
-            <a:endParaRPr lang="en-US"/>
           </a:p>
         </p:txBody>
       </p:sp>
@@ -2221,7 +2221,7 @@
           <a:p>
             <a:fld id="{875CF0EB-321F-0749-B37A-89BBA859503C}" type="datetimeFigureOut">
               <a:rPr lang="en-US" smtClean="0"/>
-              <a:t>28/11/18</a:t>
+              <a:t>11/17/19</a:t>
             </a:fld>
             <a:endParaRPr lang="en-US"/>
           </a:p>
@@ -2331,10 +2331,9 @@
           <a:lstStyle/>
           <a:p>
             <a:r>
-              <a:rPr lang="en-US" smtClean="0"/>
+              <a:rPr lang="en-US"/>
               <a:t>Click to edit Master title style</a:t>
             </a:r>
-            <a:endParaRPr lang="en-US"/>
           </a:p>
         </p:txBody>
       </p:sp>
@@ -2363,7 +2362,7 @@
           <a:p>
             <a:fld id="{875CF0EB-321F-0749-B37A-89BBA859503C}" type="datetimeFigureOut">
               <a:rPr lang="en-US" smtClean="0"/>
-              <a:t>28/11/18</a:t>
+              <a:t>11/17/19</a:t>
             </a:fld>
             <a:endParaRPr lang="en-US"/>
           </a:p>
@@ -2482,7 +2481,7 @@
           <a:p>
             <a:fld id="{875CF0EB-321F-0749-B37A-89BBA859503C}" type="datetimeFigureOut">
               <a:rPr lang="en-US" smtClean="0"/>
-              <a:t>28/11/18</a:t>
+              <a:t>11/17/19</a:t>
             </a:fld>
             <a:endParaRPr lang="en-US"/>
           </a:p>
@@ -2601,10 +2600,9 @@
           </a:lstStyle>
           <a:p>
             <a:r>
-              <a:rPr lang="en-US" smtClean="0"/>
+              <a:rPr lang="en-US"/>
               <a:t>Click to edit Master title style</a:t>
             </a:r>
-            <a:endParaRPr lang="en-US"/>
           </a:p>
         </p:txBody>
       </p:sp>
@@ -2658,38 +2656,37 @@
           <a:p>
             <a:pPr lvl="0"/>
             <a:r>
-              <a:rPr lang="en-US" smtClean="0"/>
+              <a:rPr lang="en-US"/>
               <a:t>Click to edit Master text styles</a:t>
             </a:r>
           </a:p>
           <a:p>
             <a:pPr lvl="1"/>
             <a:r>
-              <a:rPr lang="en-US" smtClean="0"/>
+              <a:rPr lang="en-US"/>
               <a:t>Second level</a:t>
             </a:r>
           </a:p>
           <a:p>
             <a:pPr lvl="2"/>
             <a:r>
-              <a:rPr lang="en-US" smtClean="0"/>
+              <a:rPr lang="en-US"/>
               <a:t>Third level</a:t>
             </a:r>
           </a:p>
           <a:p>
             <a:pPr lvl="3"/>
             <a:r>
-              <a:rPr lang="en-US" smtClean="0"/>
+              <a:rPr lang="en-US"/>
               <a:t>Fourth level</a:t>
             </a:r>
           </a:p>
           <a:p>
             <a:pPr lvl="4"/>
             <a:r>
-              <a:rPr lang="en-US" smtClean="0"/>
+              <a:rPr lang="en-US"/>
               <a:t>Fifth level</a:t>
             </a:r>
-            <a:endParaRPr lang="en-US"/>
           </a:p>
         </p:txBody>
       </p:sp>
@@ -2752,7 +2749,7 @@
           <a:p>
             <a:pPr lvl="0"/>
             <a:r>
-              <a:rPr lang="en-US" smtClean="0"/>
+              <a:rPr lang="en-US"/>
               <a:t>Click to edit Master text styles</a:t>
             </a:r>
           </a:p>
@@ -2783,7 +2780,7 @@
           <a:p>
             <a:fld id="{875CF0EB-321F-0749-B37A-89BBA859503C}" type="datetimeFigureOut">
               <a:rPr lang="en-US" smtClean="0"/>
-              <a:t>28/11/18</a:t>
+              <a:t>11/17/19</a:t>
             </a:fld>
             <a:endParaRPr lang="en-US"/>
           </a:p>
@@ -2902,10 +2899,9 @@
           </a:lstStyle>
           <a:p>
             <a:r>
-              <a:rPr lang="en-US" smtClean="0"/>
+              <a:rPr lang="en-US"/>
               <a:t>Click to edit Master title style</a:t>
             </a:r>
-            <a:endParaRPr lang="en-US"/>
           </a:p>
         </p:txBody>
       </p:sp>
@@ -3029,7 +3025,7 @@
           <a:p>
             <a:pPr lvl="0"/>
             <a:r>
-              <a:rPr lang="en-US" smtClean="0"/>
+              <a:rPr lang="en-US"/>
               <a:t>Click to edit Master text styles</a:t>
             </a:r>
           </a:p>
@@ -3060,7 +3056,7 @@
           <a:p>
             <a:fld id="{875CF0EB-321F-0749-B37A-89BBA859503C}" type="datetimeFigureOut">
               <a:rPr lang="en-US" smtClean="0"/>
-              <a:t>28/11/18</a:t>
+              <a:t>11/17/19</a:t>
             </a:fld>
             <a:endParaRPr lang="en-US"/>
           </a:p>
@@ -3185,10 +3181,9 @@
           <a:lstStyle/>
           <a:p>
             <a:r>
-              <a:rPr lang="en-US" dirty="0" smtClean="0"/>
+              <a:rPr lang="en-US" dirty="0"/>
               <a:t>Click to edit Master title style</a:t>
             </a:r>
-            <a:endParaRPr lang="en-US" dirty="0"/>
           </a:p>
         </p:txBody>
       </p:sp>
@@ -3219,38 +3214,37 @@
           <a:p>
             <a:pPr lvl="0"/>
             <a:r>
-              <a:rPr lang="en-US" dirty="0" smtClean="0"/>
+              <a:rPr lang="en-US" dirty="0"/>
               <a:t>Click to edit Master text styles</a:t>
             </a:r>
           </a:p>
           <a:p>
             <a:pPr lvl="1"/>
             <a:r>
-              <a:rPr lang="en-US" dirty="0" smtClean="0"/>
+              <a:rPr lang="en-US" dirty="0"/>
               <a:t>Second level</a:t>
             </a:r>
           </a:p>
           <a:p>
             <a:pPr lvl="2"/>
             <a:r>
-              <a:rPr lang="en-US" dirty="0" smtClean="0"/>
+              <a:rPr lang="en-US" dirty="0"/>
               <a:t>Third level</a:t>
             </a:r>
           </a:p>
           <a:p>
             <a:pPr lvl="3"/>
             <a:r>
-              <a:rPr lang="en-US" dirty="0" smtClean="0"/>
+              <a:rPr lang="en-US" dirty="0"/>
               <a:t>Fourth level</a:t>
             </a:r>
           </a:p>
           <a:p>
             <a:pPr lvl="4"/>
             <a:r>
-              <a:rPr lang="en-US" dirty="0" smtClean="0"/>
+              <a:rPr lang="en-US" dirty="0"/>
               <a:t>Fifth level</a:t>
             </a:r>
-            <a:endParaRPr lang="en-US" dirty="0"/>
           </a:p>
         </p:txBody>
       </p:sp>
@@ -3276,14 +3270,14 @@
           </a:ln>
           <a:extLst>
             <a:ext uri="{909E8E84-426E-40dd-AFC4-6F175D3DCCD1}">
-              <a14:hiddenFill xmlns:a14="http://schemas.microsoft.com/office/drawing/2010/main">
+              <a14:hiddenFill xmlns:a14="http://schemas.microsoft.com/office/drawing/2010/main" xmlns="">
                 <a:solidFill>
                   <a:srgbClr val="FFFFFF"/>
                 </a:solidFill>
               </a14:hiddenFill>
             </a:ext>
             <a:ext uri="{91240B29-F687-4f45-9708-019B960494DF}">
-              <a14:hiddenLine xmlns:a14="http://schemas.microsoft.com/office/drawing/2010/main" w="9525">
+              <a14:hiddenLine xmlns:a14="http://schemas.microsoft.com/office/drawing/2010/main" xmlns="" w="9525">
                 <a:solidFill>
                   <a:srgbClr val="000000"/>
                 </a:solidFill>
@@ -3437,7 +3431,7 @@
               <a:defRPr/>
             </a:pPr>
             <a:r>
-              <a:rPr lang="en-US" sz="700" dirty="0" smtClean="0">
+              <a:rPr lang="en-US" sz="700" dirty="0">
                 <a:latin typeface="Montserrat"/>
               </a:rPr>
               <a:t>© Paul Fremantle 2016 except where credited elsewhere.  This work is licensed under a Creative Commons</a:t>
@@ -3448,55 +3442,55 @@
               <a:defRPr/>
             </a:pPr>
             <a:r>
-              <a:rPr lang="en-US" sz="700" dirty="0" smtClean="0">
+              <a:rPr lang="en-US" sz="700" dirty="0">
                 <a:latin typeface="Montserrat"/>
               </a:rPr>
               <a:t> Attribution-</a:t>
             </a:r>
             <a:r>
-              <a:rPr lang="en-US" sz="700" dirty="0" err="1" smtClean="0">
+              <a:rPr lang="en-US" sz="700" dirty="0" err="1">
                 <a:latin typeface="Montserrat"/>
               </a:rPr>
               <a:t>NonCommercial</a:t>
             </a:r>
             <a:r>
-              <a:rPr lang="en-US" sz="700" dirty="0" smtClean="0">
+              <a:rPr lang="en-US" sz="700" dirty="0">
                 <a:latin typeface="Montserrat"/>
               </a:rPr>
               <a:t>-</a:t>
             </a:r>
             <a:r>
-              <a:rPr lang="en-US" sz="700" dirty="0" err="1" smtClean="0">
+              <a:rPr lang="en-US" sz="700" dirty="0" err="1">
                 <a:latin typeface="Montserrat"/>
               </a:rPr>
               <a:t>ShareAlike</a:t>
             </a:r>
             <a:r>
-              <a:rPr lang="en-US" sz="700" dirty="0" smtClean="0">
+              <a:rPr lang="en-US" sz="700" dirty="0">
                 <a:latin typeface="Montserrat"/>
               </a:rPr>
               <a:t> 4.0 International License</a:t>
             </a:r>
             <a:br>
-              <a:rPr lang="en-US" sz="700" dirty="0" smtClean="0">
+              <a:rPr lang="en-US" sz="700" dirty="0">
                 <a:latin typeface="Montserrat"/>
               </a:rPr>
             </a:br>
             <a:r>
-              <a:rPr lang="en-US" sz="700" dirty="0" smtClean="0">
+              <a:rPr lang="en-US" sz="700" dirty="0">
                 <a:latin typeface="Montserrat"/>
               </a:rPr>
               <a:t>See  </a:t>
             </a:r>
             <a:r>
-              <a:rPr lang="en-US" sz="700" dirty="0" smtClean="0">
+              <a:rPr lang="en-US" sz="700" dirty="0">
                 <a:latin typeface="Montserrat"/>
                 <a:hlinkClick r:id="rId13"/>
               </a:rPr>
               <a:t>http://creativecommons.org/licenses/by-nc-sa/4.0/</a:t>
             </a:r>
             <a:r>
-              <a:rPr lang="en-US" sz="700" dirty="0" smtClean="0">
+              <a:rPr lang="en-US" sz="700" dirty="0">
                 <a:latin typeface="Montserrat"/>
               </a:rPr>
               <a:t> </a:t>
@@ -3835,10 +3829,9 @@
           <a:lstStyle/>
           <a:p>
             <a:r>
-              <a:rPr lang="en-US" dirty="0" smtClean="0"/>
+              <a:rPr lang="en-US" dirty="0"/>
               <a:t>Implementing REST</a:t>
             </a:r>
-            <a:endParaRPr lang="en-US" dirty="0"/>
           </a:p>
         </p:txBody>
       </p:sp>
@@ -3878,18 +3871,11 @@
           </a:p>
           <a:p>
             <a:r>
-              <a:rPr lang="en-US" smtClean="0">
+              <a:rPr lang="en-US">
                 <a:ea typeface="ヒラギノ角ゴ ProN W3" charset="0"/>
                 <a:cs typeface="ヒラギノ角ゴ ProN W3" charset="0"/>
               </a:rPr>
-              <a:t>December </a:t>
-            </a:r>
-            <a:r>
-              <a:rPr lang="en-US" dirty="0" smtClean="0">
-                <a:ea typeface="ヒラギノ角ゴ ProN W3" charset="0"/>
-                <a:cs typeface="ヒラギノ角ゴ ProN W3" charset="0"/>
-              </a:rPr>
-              <a:t>2018</a:t>
+              <a:t>December 2019</a:t>
             </a:r>
             <a:endParaRPr lang="en-US" dirty="0">
               <a:ea typeface="ヒラギノ角ゴ ProN W3" charset="0"/>
@@ -3911,13 +3897,6 @@
   <p:clrMapOvr>
     <a:masterClrMapping/>
   </p:clrMapOvr>
-  <p:timing>
-    <p:tnLst>
-      <p:par>
-        <p:cTn xmlns:p14="http://schemas.microsoft.com/office/powerpoint/2010/main" id="1" dur="indefinite" restart="never" nodeType="tmRoot"/>
-      </p:par>
-    </p:tnLst>
-  </p:timing>
 </p:sld>
 </file>
 
@@ -3954,10 +3933,9 @@
           <a:lstStyle/>
           <a:p>
             <a:r>
-              <a:rPr lang="en-US" dirty="0" smtClean="0"/>
+              <a:rPr lang="en-US" dirty="0"/>
               <a:t>An Example</a:t>
             </a:r>
-            <a:endParaRPr lang="en-US" dirty="0"/>
           </a:p>
         </p:txBody>
       </p:sp>
@@ -3993,7 +3971,7 @@
               </a:tabLst>
             </a:pPr>
             <a:r>
-              <a:rPr lang="en-US" dirty="0" smtClean="0">
+              <a:rPr lang="en-US" dirty="0">
                 <a:latin typeface="Courier New" pitchFamily="49" charset="0"/>
                 <a:ea typeface="Droid Sans Fallback" charset="0"/>
                 <a:cs typeface="Courier New" pitchFamily="49" charset="0"/>
@@ -4019,7 +3997,7 @@
               </a:tabLst>
             </a:pPr>
             <a:r>
-              <a:rPr lang="en-US" dirty="0" smtClean="0">
+              <a:rPr lang="en-US" dirty="0">
                 <a:latin typeface="Courier New" pitchFamily="49" charset="0"/>
                 <a:ea typeface="Droid Sans Fallback" charset="0"/>
                 <a:cs typeface="Courier New" pitchFamily="49" charset="0"/>
@@ -4027,7 +4005,7 @@
               <a:t>public class </a:t>
             </a:r>
             <a:r>
-              <a:rPr lang="en-US" dirty="0" err="1" smtClean="0">
+              <a:rPr lang="en-US" dirty="0" err="1">
                 <a:latin typeface="Courier New" pitchFamily="49" charset="0"/>
                 <a:ea typeface="Droid Sans Fallback" charset="0"/>
                 <a:cs typeface="Courier New" pitchFamily="49" charset="0"/>
@@ -4035,7 +4013,7 @@
               <a:t>AccountEntryService</a:t>
             </a:r>
             <a:r>
-              <a:rPr lang="en-US" dirty="0" smtClean="0">
+              <a:rPr lang="en-US" dirty="0">
                 <a:latin typeface="Courier New" pitchFamily="49" charset="0"/>
                 <a:ea typeface="Droid Sans Fallback" charset="0"/>
                 <a:cs typeface="Courier New" pitchFamily="49" charset="0"/>
@@ -4061,7 +4039,7 @@
               </a:tabLst>
             </a:pPr>
             <a:r>
-              <a:rPr lang="en-US" dirty="0" smtClean="0">
+              <a:rPr lang="en-US" dirty="0">
                 <a:latin typeface="Courier New" pitchFamily="49" charset="0"/>
                 <a:ea typeface="Droid Sans Fallback" charset="0"/>
                 <a:cs typeface="Courier New" pitchFamily="49" charset="0"/>
@@ -4087,7 +4065,7 @@
               </a:tabLst>
             </a:pPr>
             <a:r>
-              <a:rPr lang="en-US" dirty="0" smtClean="0">
+              <a:rPr lang="en-US" dirty="0">
                 <a:latin typeface="Courier New" pitchFamily="49" charset="0"/>
                 <a:ea typeface="Droid Sans Fallback" charset="0"/>
                 <a:cs typeface="Courier New" pitchFamily="49" charset="0"/>
@@ -4095,7 +4073,7 @@
               <a:t>   public String </a:t>
             </a:r>
             <a:r>
-              <a:rPr lang="en-US" dirty="0" err="1" smtClean="0">
+              <a:rPr lang="en-US" dirty="0" err="1">
                 <a:latin typeface="Courier New" pitchFamily="49" charset="0"/>
                 <a:ea typeface="Droid Sans Fallback" charset="0"/>
                 <a:cs typeface="Courier New" pitchFamily="49" charset="0"/>
@@ -4103,7 +4081,7 @@
               <a:t>getAccounts</a:t>
             </a:r>
             <a:r>
-              <a:rPr lang="en-US" dirty="0" smtClean="0">
+              <a:rPr lang="en-US" dirty="0">
                 <a:latin typeface="Courier New" pitchFamily="49" charset="0"/>
                 <a:ea typeface="Droid Sans Fallback" charset="0"/>
                 <a:cs typeface="Courier New" pitchFamily="49" charset="0"/>
@@ -4129,7 +4107,7 @@
               </a:tabLst>
             </a:pPr>
             <a:r>
-              <a:rPr lang="en-US" dirty="0" smtClean="0">
+              <a:rPr lang="en-US" dirty="0">
                 <a:latin typeface="Courier New" pitchFamily="49" charset="0"/>
                 <a:ea typeface="Droid Sans Fallback" charset="0"/>
                 <a:cs typeface="Courier New" pitchFamily="49" charset="0"/>
@@ -4155,13 +4133,6 @@
   <p:clrMapOvr>
     <a:masterClrMapping/>
   </p:clrMapOvr>
-  <p:timing>
-    <p:tnLst>
-      <p:par>
-        <p:cTn xmlns:p14="http://schemas.microsoft.com/office/powerpoint/2010/main" id="1" dur="indefinite" restart="never" nodeType="tmRoot"/>
-      </p:par>
-    </p:tnLst>
-  </p:timing>
 </p:sld>
 </file>
 
@@ -4198,10 +4169,9 @@
           <a:lstStyle/>
           <a:p>
             <a:r>
-              <a:rPr lang="en-US" dirty="0" smtClean="0"/>
+              <a:rPr lang="en-US" dirty="0"/>
               <a:t>Query Parameters</a:t>
             </a:r>
-            <a:endParaRPr lang="en-US" dirty="0"/>
           </a:p>
         </p:txBody>
       </p:sp>
@@ -4241,14 +4211,14 @@
               </a:tabLst>
             </a:pPr>
             <a:r>
-              <a:rPr lang="en-US" dirty="0" err="1" smtClean="0">
+              <a:rPr lang="en-US" dirty="0" err="1">
                 <a:ea typeface="Droid Sans Fallback" charset="0"/>
                 <a:cs typeface="Droid Sans Fallback" charset="0"/>
               </a:rPr>
               <a:t>getAccounts</a:t>
             </a:r>
             <a:r>
-              <a:rPr lang="en-US" dirty="0" smtClean="0">
+              <a:rPr lang="en-US" dirty="0">
                 <a:ea typeface="Droid Sans Fallback" charset="0"/>
                 <a:cs typeface="Droid Sans Fallback" charset="0"/>
               </a:rPr>
@@ -4275,7 +4245,7 @@
               </a:tabLst>
             </a:pPr>
             <a:r>
-              <a:rPr lang="en-US" dirty="0" smtClean="0">
+              <a:rPr lang="en-US" dirty="0">
                 <a:ea typeface="Droid Sans Fallback" charset="0"/>
                 <a:cs typeface="Droid Sans Fallback" charset="0"/>
               </a:rPr>
@@ -4304,7 +4274,7 @@
               </a:tabLst>
             </a:pPr>
             <a:r>
-              <a:rPr lang="en-US" dirty="0" smtClean="0">
+              <a:rPr lang="en-US" dirty="0">
                 <a:ea typeface="Droid Sans Fallback" charset="0"/>
                 <a:cs typeface="Droid Sans Fallback" charset="0"/>
               </a:rPr>
@@ -4331,21 +4301,21 @@
               </a:tabLst>
             </a:pPr>
             <a:r>
-              <a:rPr lang="en-US" dirty="0" smtClean="0">
+              <a:rPr lang="en-US" dirty="0">
                 <a:ea typeface="Droid Sans Fallback" charset="0"/>
                 <a:cs typeface="Droid Sans Fallback" charset="0"/>
               </a:rPr>
               <a:t>To extract this information from the HTTP request, JAX-RS has @</a:t>
             </a:r>
             <a:r>
-              <a:rPr lang="en-US" dirty="0" err="1" smtClean="0">
+              <a:rPr lang="en-US" dirty="0" err="1">
                 <a:ea typeface="Droid Sans Fallback" charset="0"/>
                 <a:cs typeface="Droid Sans Fallback" charset="0"/>
               </a:rPr>
               <a:t>QueryParam</a:t>
             </a:r>
             <a:r>
-              <a:rPr lang="en-US" dirty="0" smtClean="0">
+              <a:rPr lang="en-US" dirty="0">
                 <a:ea typeface="Droid Sans Fallback" charset="0"/>
                 <a:cs typeface="Droid Sans Fallback" charset="0"/>
               </a:rPr>
@@ -4367,13 +4337,6 @@
   <p:clrMapOvr>
     <a:masterClrMapping/>
   </p:clrMapOvr>
-  <p:timing>
-    <p:tnLst>
-      <p:par>
-        <p:cTn xmlns:p14="http://schemas.microsoft.com/office/powerpoint/2010/main" id="1" dur="indefinite" restart="never" nodeType="tmRoot"/>
-      </p:par>
-    </p:tnLst>
-  </p:timing>
 </p:sld>
 </file>
 
@@ -4410,10 +4373,9 @@
           <a:lstStyle/>
           <a:p>
             <a:r>
-              <a:rPr lang="en-US" dirty="0" smtClean="0"/>
+              <a:rPr lang="en-US" dirty="0"/>
               <a:t>Accessing Query Parameters</a:t>
             </a:r>
-            <a:endParaRPr lang="en-US" dirty="0"/>
           </a:p>
         </p:txBody>
       </p:sp>
@@ -4451,7 +4413,7 @@
               </a:tabLst>
             </a:pPr>
             <a:r>
-              <a:rPr lang="en-US" dirty="0" smtClean="0">
+              <a:rPr lang="en-US" dirty="0">
                 <a:latin typeface="Courier New" pitchFamily="49" charset="0"/>
                 <a:ea typeface="Droid Sans Fallback" charset="0"/>
                 <a:cs typeface="Courier New" pitchFamily="49" charset="0"/>
@@ -4477,7 +4439,7 @@
               </a:tabLst>
             </a:pPr>
             <a:r>
-              <a:rPr lang="en-US" dirty="0" smtClean="0">
+              <a:rPr lang="en-US" dirty="0">
                 <a:latin typeface="Courier New" pitchFamily="49" charset="0"/>
                 <a:ea typeface="Droid Sans Fallback" charset="0"/>
                 <a:cs typeface="Courier New" pitchFamily="49" charset="0"/>
@@ -4485,7 +4447,7 @@
               <a:t>public class </a:t>
             </a:r>
             <a:r>
-              <a:rPr lang="en-US" dirty="0" err="1" smtClean="0">
+              <a:rPr lang="en-US" dirty="0" err="1">
                 <a:latin typeface="Courier New" pitchFamily="49" charset="0"/>
                 <a:ea typeface="Droid Sans Fallback" charset="0"/>
                 <a:cs typeface="Courier New" pitchFamily="49" charset="0"/>
@@ -4493,7 +4455,7 @@
               <a:t>AccountEntryService</a:t>
             </a:r>
             <a:r>
-              <a:rPr lang="en-US" dirty="0" smtClean="0">
+              <a:rPr lang="en-US" dirty="0">
                 <a:latin typeface="Courier New" pitchFamily="49" charset="0"/>
                 <a:ea typeface="Droid Sans Fallback" charset="0"/>
                 <a:cs typeface="Courier New" pitchFamily="49" charset="0"/>
@@ -4519,7 +4481,7 @@
               </a:tabLst>
             </a:pPr>
             <a:r>
-              <a:rPr lang="en-US" dirty="0" smtClean="0">
+              <a:rPr lang="en-US" dirty="0">
                 <a:latin typeface="Courier New" pitchFamily="49" charset="0"/>
                 <a:ea typeface="Droid Sans Fallback" charset="0"/>
                 <a:cs typeface="Courier New" pitchFamily="49" charset="0"/>
@@ -4545,7 +4507,7 @@
               </a:tabLst>
             </a:pPr>
             <a:r>
-              <a:rPr lang="en-US" dirty="0" smtClean="0">
+              <a:rPr lang="en-US" dirty="0">
                 <a:latin typeface="Courier New" pitchFamily="49" charset="0"/>
                 <a:ea typeface="Droid Sans Fallback" charset="0"/>
                 <a:cs typeface="Courier New" pitchFamily="49" charset="0"/>
@@ -4553,7 +4515,7 @@
               <a:t>   public String </a:t>
             </a:r>
             <a:r>
-              <a:rPr lang="en-US" dirty="0" err="1" smtClean="0">
+              <a:rPr lang="en-US" dirty="0" err="1">
                 <a:latin typeface="Courier New" pitchFamily="49" charset="0"/>
                 <a:ea typeface="Droid Sans Fallback" charset="0"/>
                 <a:cs typeface="Courier New" pitchFamily="49" charset="0"/>
@@ -4561,7 +4523,7 @@
               <a:t>getAccounts</a:t>
             </a:r>
             <a:r>
-              <a:rPr lang="en-US" dirty="0" smtClean="0">
+              <a:rPr lang="en-US" dirty="0">
                 <a:latin typeface="Courier New" pitchFamily="49" charset="0"/>
                 <a:ea typeface="Droid Sans Fallback" charset="0"/>
                 <a:cs typeface="Courier New" pitchFamily="49" charset="0"/>
@@ -4587,7 +4549,7 @@
               </a:tabLst>
             </a:pPr>
             <a:r>
-              <a:rPr lang="en-US" dirty="0" smtClean="0">
+              <a:rPr lang="en-US" dirty="0">
                 <a:latin typeface="Courier New" pitchFamily="49" charset="0"/>
                 <a:ea typeface="Droid Sans Fallback" charset="0"/>
                 <a:cs typeface="Courier New" pitchFamily="49" charset="0"/>
@@ -4595,7 +4557,7 @@
               <a:t>			@</a:t>
             </a:r>
             <a:r>
-              <a:rPr lang="en-US" dirty="0" err="1" smtClean="0">
+              <a:rPr lang="en-US" dirty="0" err="1">
                 <a:latin typeface="Courier New" pitchFamily="49" charset="0"/>
                 <a:ea typeface="Droid Sans Fallback" charset="0"/>
                 <a:cs typeface="Courier New" pitchFamily="49" charset="0"/>
@@ -4603,7 +4565,7 @@
               <a:t>QueryParam</a:t>
             </a:r>
             <a:r>
-              <a:rPr lang="en-US" dirty="0" smtClean="0">
+              <a:rPr lang="en-US" dirty="0">
                 <a:latin typeface="Courier New" pitchFamily="49" charset="0"/>
                 <a:ea typeface="Droid Sans Fallback" charset="0"/>
                 <a:cs typeface="Courier New" pitchFamily="49" charset="0"/>
@@ -4629,7 +4591,7 @@
               </a:tabLst>
             </a:pPr>
             <a:r>
-              <a:rPr lang="en-US" dirty="0" smtClean="0">
+              <a:rPr lang="en-US" dirty="0">
                 <a:latin typeface="Courier New" pitchFamily="49" charset="0"/>
                 <a:ea typeface="Droid Sans Fallback" charset="0"/>
                 <a:cs typeface="Courier New" pitchFamily="49" charset="0"/>
@@ -4637,7 +4599,7 @@
               <a:t>        @</a:t>
             </a:r>
             <a:r>
-              <a:rPr lang="en-US" dirty="0" err="1" smtClean="0">
+              <a:rPr lang="en-US" dirty="0" err="1">
                 <a:latin typeface="Courier New" pitchFamily="49" charset="0"/>
                 <a:ea typeface="Droid Sans Fallback" charset="0"/>
                 <a:cs typeface="Courier New" pitchFamily="49" charset="0"/>
@@ -4645,7 +4607,7 @@
               <a:t>DefaultValue</a:t>
             </a:r>
             <a:r>
-              <a:rPr lang="en-US" dirty="0" smtClean="0">
+              <a:rPr lang="en-US" dirty="0">
                 <a:latin typeface="Courier New" pitchFamily="49" charset="0"/>
                 <a:ea typeface="Droid Sans Fallback" charset="0"/>
                 <a:cs typeface="Courier New" pitchFamily="49" charset="0"/>
@@ -4653,7 +4615,7 @@
               <a:t>("50")    								</a:t>
             </a:r>
             <a:r>
-              <a:rPr lang="en-US" dirty="0" err="1" smtClean="0">
+              <a:rPr lang="en-US" dirty="0" err="1">
                 <a:latin typeface="Courier New" pitchFamily="49" charset="0"/>
                 <a:ea typeface="Droid Sans Fallback" charset="0"/>
                 <a:cs typeface="Courier New" pitchFamily="49" charset="0"/>
@@ -4661,7 +4623,7 @@
               <a:t>int</a:t>
             </a:r>
             <a:r>
-              <a:rPr lang="en-US" dirty="0" smtClean="0">
+              <a:rPr lang="en-US" dirty="0">
                 <a:latin typeface="Courier New" pitchFamily="49" charset="0"/>
                 <a:ea typeface="Droid Sans Fallback" charset="0"/>
                 <a:cs typeface="Courier New" pitchFamily="49" charset="0"/>
@@ -4687,7 +4649,7 @@
               </a:tabLst>
             </a:pPr>
             <a:r>
-              <a:rPr lang="en-US" dirty="0" smtClean="0">
+              <a:rPr lang="en-US" dirty="0">
                 <a:latin typeface="Courier New" pitchFamily="49" charset="0"/>
                 <a:ea typeface="Droid Sans Fallback" charset="0"/>
                 <a:cs typeface="Courier New" pitchFamily="49" charset="0"/>
@@ -4713,7 +4675,7 @@
               </a:tabLst>
             </a:pPr>
             <a:r>
-              <a:rPr lang="en-US" dirty="0" smtClean="0">
+              <a:rPr lang="en-US" dirty="0">
                 <a:latin typeface="Courier New" pitchFamily="49" charset="0"/>
                 <a:ea typeface="Droid Sans Fallback" charset="0"/>
                 <a:cs typeface="Courier New" pitchFamily="49" charset="0"/>
@@ -4739,7 +4701,7 @@
               </a:tabLst>
             </a:pPr>
             <a:r>
-              <a:rPr lang="en-US" dirty="0" smtClean="0">
+              <a:rPr lang="en-US" dirty="0">
                 <a:latin typeface="Courier New" pitchFamily="49" charset="0"/>
                 <a:ea typeface="Droid Sans Fallback" charset="0"/>
                 <a:cs typeface="Courier New" pitchFamily="49" charset="0"/>
@@ -4765,7 +4727,7 @@
               </a:tabLst>
             </a:pPr>
             <a:r>
-              <a:rPr lang="en-US" dirty="0" smtClean="0">
+              <a:rPr lang="en-US" dirty="0">
                 <a:latin typeface="Courier New" pitchFamily="49" charset="0"/>
                 <a:ea typeface="Droid Sans Fallback" charset="0"/>
                 <a:cs typeface="Courier New" pitchFamily="49" charset="0"/>
@@ -4791,13 +4753,6 @@
   <p:clrMapOvr>
     <a:masterClrMapping/>
   </p:clrMapOvr>
-  <p:timing>
-    <p:tnLst>
-      <p:par>
-        <p:cTn xmlns:p14="http://schemas.microsoft.com/office/powerpoint/2010/main" id="1" dur="indefinite" restart="never" nodeType="tmRoot"/>
-      </p:par>
-    </p:tnLst>
-  </p:timing>
 </p:sld>
 </file>
 
@@ -4834,10 +4789,9 @@
           <a:lstStyle/>
           <a:p>
             <a:r>
-              <a:rPr lang="en-US" dirty="0" smtClean="0"/>
+              <a:rPr lang="en-US" dirty="0"/>
               <a:t>Path Parameters</a:t>
             </a:r>
-            <a:endParaRPr lang="en-US" dirty="0"/>
           </a:p>
         </p:txBody>
       </p:sp>
@@ -4875,7 +4829,7 @@
               </a:tabLst>
             </a:pPr>
             <a:r>
-              <a:rPr lang="en-US" dirty="0" smtClean="0">
+              <a:rPr lang="en-US" dirty="0">
                 <a:latin typeface="Courier New" pitchFamily="49" charset="0"/>
                 <a:ea typeface="Droid Sans Fallback" charset="0"/>
                 <a:cs typeface="Courier New" pitchFamily="49" charset="0"/>
@@ -4901,7 +4855,7 @@
               </a:tabLst>
             </a:pPr>
             <a:r>
-              <a:rPr lang="en-US" dirty="0" smtClean="0">
+              <a:rPr lang="en-US" dirty="0">
                 <a:latin typeface="Courier New" pitchFamily="49" charset="0"/>
                 <a:ea typeface="Droid Sans Fallback" charset="0"/>
                 <a:cs typeface="Courier New" pitchFamily="49" charset="0"/>
@@ -4909,7 +4863,7 @@
               <a:t>public class </a:t>
             </a:r>
             <a:r>
-              <a:rPr lang="en-US" dirty="0" err="1" smtClean="0">
+              <a:rPr lang="en-US" dirty="0" err="1">
                 <a:latin typeface="Courier New" pitchFamily="49" charset="0"/>
                 <a:ea typeface="Droid Sans Fallback" charset="0"/>
                 <a:cs typeface="Courier New" pitchFamily="49" charset="0"/>
@@ -4917,7 +4871,7 @@
               <a:t>AccountEntryService</a:t>
             </a:r>
             <a:r>
-              <a:rPr lang="en-US" dirty="0" smtClean="0">
+              <a:rPr lang="en-US" dirty="0">
                 <a:latin typeface="Courier New" pitchFamily="49" charset="0"/>
                 <a:ea typeface="Droid Sans Fallback" charset="0"/>
                 <a:cs typeface="Courier New" pitchFamily="49" charset="0"/>
@@ -4943,7 +4897,7 @@
               </a:tabLst>
             </a:pPr>
             <a:r>
-              <a:rPr lang="en-US" dirty="0" smtClean="0">
+              <a:rPr lang="en-US" dirty="0">
                 <a:latin typeface="Courier New" pitchFamily="49" charset="0"/>
                 <a:ea typeface="Droid Sans Fallback" charset="0"/>
                 <a:cs typeface="Courier New" pitchFamily="49" charset="0"/>
@@ -4969,7 +4923,7 @@
               </a:tabLst>
             </a:pPr>
             <a:r>
-              <a:rPr lang="en-US" dirty="0" smtClean="0">
+              <a:rPr lang="en-US" dirty="0">
                 <a:latin typeface="Courier New" pitchFamily="49" charset="0"/>
                 <a:ea typeface="Droid Sans Fallback" charset="0"/>
                 <a:cs typeface="Courier New" pitchFamily="49" charset="0"/>
@@ -4995,7 +4949,7 @@
               </a:tabLst>
             </a:pPr>
             <a:r>
-              <a:rPr lang="en-US" dirty="0" smtClean="0">
+              <a:rPr lang="en-US" dirty="0">
                 <a:latin typeface="Courier New" pitchFamily="49" charset="0"/>
                 <a:ea typeface="Droid Sans Fallback" charset="0"/>
                 <a:cs typeface="Courier New" pitchFamily="49" charset="0"/>
@@ -5003,7 +4957,7 @@
               <a:t>   public String </a:t>
             </a:r>
             <a:r>
-              <a:rPr lang="en-US" dirty="0" err="1" smtClean="0">
+              <a:rPr lang="en-US" dirty="0" err="1">
                 <a:latin typeface="Courier New" pitchFamily="49" charset="0"/>
                 <a:ea typeface="Droid Sans Fallback" charset="0"/>
                 <a:cs typeface="Courier New" pitchFamily="49" charset="0"/>
@@ -5011,7 +4965,7 @@
               <a:t>getAccount</a:t>
             </a:r>
             <a:r>
-              <a:rPr lang="en-US" dirty="0" smtClean="0">
+              <a:rPr lang="en-US" dirty="0">
                 <a:latin typeface="Courier New" pitchFamily="49" charset="0"/>
                 <a:ea typeface="Droid Sans Fallback" charset="0"/>
                 <a:cs typeface="Courier New" pitchFamily="49" charset="0"/>
@@ -5037,7 +4991,7 @@
               </a:tabLst>
             </a:pPr>
             <a:r>
-              <a:rPr lang="en-US" dirty="0" smtClean="0">
+              <a:rPr lang="en-US" dirty="0">
                 <a:latin typeface="Courier New" pitchFamily="49" charset="0"/>
                 <a:ea typeface="Droid Sans Fallback" charset="0"/>
                 <a:cs typeface="Courier New" pitchFamily="49" charset="0"/>
@@ -5045,7 +4999,7 @@
               <a:t>			@</a:t>
             </a:r>
             <a:r>
-              <a:rPr lang="en-US" dirty="0" err="1" smtClean="0">
+              <a:rPr lang="en-US" dirty="0" err="1">
                 <a:latin typeface="Courier New" pitchFamily="49" charset="0"/>
                 <a:ea typeface="Droid Sans Fallback" charset="0"/>
                 <a:cs typeface="Courier New" pitchFamily="49" charset="0"/>
@@ -5053,7 +5007,7 @@
               <a:t>PathParam</a:t>
             </a:r>
             <a:r>
-              <a:rPr lang="en-US" dirty="0" smtClean="0">
+              <a:rPr lang="en-US" dirty="0">
                 <a:latin typeface="Courier New" pitchFamily="49" charset="0"/>
                 <a:ea typeface="Droid Sans Fallback" charset="0"/>
                 <a:cs typeface="Courier New" pitchFamily="49" charset="0"/>
@@ -5061,7 +5015,7 @@
               <a:t>("id") </a:t>
             </a:r>
             <a:r>
-              <a:rPr lang="en-US" dirty="0" err="1" smtClean="0">
+              <a:rPr lang="en-US" dirty="0" err="1">
                 <a:latin typeface="Courier New" pitchFamily="49" charset="0"/>
                 <a:ea typeface="Droid Sans Fallback" charset="0"/>
                 <a:cs typeface="Courier New" pitchFamily="49" charset="0"/>
@@ -5069,7 +5023,7 @@
               <a:t>int</a:t>
             </a:r>
             <a:r>
-              <a:rPr lang="en-US" dirty="0" smtClean="0">
+              <a:rPr lang="en-US" dirty="0">
                 <a:latin typeface="Courier New" pitchFamily="49" charset="0"/>
                 <a:ea typeface="Droid Sans Fallback" charset="0"/>
                 <a:cs typeface="Courier New" pitchFamily="49" charset="0"/>
@@ -5077,7 +5031,7 @@
               <a:t> </a:t>
             </a:r>
             <a:r>
-              <a:rPr lang="en-US" dirty="0" err="1" smtClean="0">
+              <a:rPr lang="en-US" dirty="0" err="1">
                 <a:latin typeface="Courier New" pitchFamily="49" charset="0"/>
                 <a:ea typeface="Droid Sans Fallback" charset="0"/>
                 <a:cs typeface="Courier New" pitchFamily="49" charset="0"/>
@@ -5085,7 +5039,7 @@
               <a:t>accountId</a:t>
             </a:r>
             <a:r>
-              <a:rPr lang="en-US" dirty="0" smtClean="0">
+              <a:rPr lang="en-US" dirty="0">
                 <a:latin typeface="Courier New" pitchFamily="49" charset="0"/>
                 <a:ea typeface="Droid Sans Fallback" charset="0"/>
                 <a:cs typeface="Courier New" pitchFamily="49" charset="0"/>
@@ -5111,7 +5065,7 @@
               </a:tabLst>
             </a:pPr>
             <a:r>
-              <a:rPr lang="en-US" dirty="0" smtClean="0">
+              <a:rPr lang="en-US" dirty="0">
                 <a:latin typeface="Courier New" pitchFamily="49" charset="0"/>
                 <a:ea typeface="Droid Sans Fallback" charset="0"/>
                 <a:cs typeface="Courier New" pitchFamily="49" charset="0"/>
@@ -5137,7 +5091,7 @@
               </a:tabLst>
             </a:pPr>
             <a:r>
-              <a:rPr lang="en-US" dirty="0" smtClean="0">
+              <a:rPr lang="en-US" dirty="0">
                 <a:latin typeface="Courier New" pitchFamily="49" charset="0"/>
                 <a:ea typeface="Droid Sans Fallback" charset="0"/>
                 <a:cs typeface="Courier New" pitchFamily="49" charset="0"/>
@@ -5163,7 +5117,7 @@
               </a:tabLst>
             </a:pPr>
             <a:r>
-              <a:rPr lang="en-US" dirty="0" smtClean="0">
+              <a:rPr lang="en-US" dirty="0">
                 <a:solidFill>
                   <a:srgbClr val="000080"/>
                 </a:solidFill>
@@ -5190,13 +5144,6 @@
   <p:clrMapOvr>
     <a:masterClrMapping/>
   </p:clrMapOvr>
-  <p:timing>
-    <p:tnLst>
-      <p:par>
-        <p:cTn xmlns:p14="http://schemas.microsoft.com/office/powerpoint/2010/main" id="1" dur="indefinite" restart="never" nodeType="tmRoot"/>
-      </p:par>
-    </p:tnLst>
-  </p:timing>
 </p:sld>
 </file>
 
@@ -5233,10 +5180,9 @@
           <a:lstStyle/>
           <a:p>
             <a:r>
-              <a:rPr lang="en-US" dirty="0" smtClean="0"/>
+              <a:rPr lang="en-US" dirty="0"/>
               <a:t>More on Path Parameters</a:t>
             </a:r>
-            <a:endParaRPr lang="en-US" dirty="0"/>
           </a:p>
         </p:txBody>
       </p:sp>
@@ -5276,7 +5222,7 @@
               </a:tabLst>
             </a:pPr>
             <a:r>
-              <a:rPr lang="en-US" dirty="0" smtClean="0">
+              <a:rPr lang="en-US" dirty="0">
                 <a:ea typeface="Droid Sans Fallback" charset="0"/>
                 <a:cs typeface="Droid Sans Fallback" charset="0"/>
               </a:rPr>
@@ -5303,35 +5249,35 @@
               </a:tabLst>
             </a:pPr>
             <a:r>
-              <a:rPr lang="en-US" dirty="0" smtClean="0">
+              <a:rPr lang="en-US" dirty="0">
                 <a:ea typeface="Droid Sans Fallback" charset="0"/>
                 <a:cs typeface="Droid Sans Fallback" charset="0"/>
               </a:rPr>
               <a:t>The @</a:t>
             </a:r>
             <a:r>
-              <a:rPr lang="en-US" dirty="0" err="1" smtClean="0">
+              <a:rPr lang="en-US" dirty="0" err="1">
                 <a:ea typeface="Droid Sans Fallback" charset="0"/>
                 <a:cs typeface="Droid Sans Fallback" charset="0"/>
               </a:rPr>
               <a:t>PathParam</a:t>
             </a:r>
             <a:r>
-              <a:rPr lang="en-US" dirty="0" smtClean="0">
+              <a:rPr lang="en-US" dirty="0">
                 <a:ea typeface="Droid Sans Fallback" charset="0"/>
                 <a:cs typeface="Droid Sans Fallback" charset="0"/>
               </a:rPr>
               <a:t> annotation will pull in the info from the incoming URI and inject it into the </a:t>
             </a:r>
             <a:r>
-              <a:rPr lang="en-US" dirty="0" err="1" smtClean="0">
+              <a:rPr lang="en-US" dirty="0" err="1">
                 <a:ea typeface="Droid Sans Fallback" charset="0"/>
                 <a:cs typeface="Droid Sans Fallback" charset="0"/>
               </a:rPr>
               <a:t>accountId</a:t>
             </a:r>
             <a:r>
-              <a:rPr lang="en-US" dirty="0" smtClean="0">
+              <a:rPr lang="en-US" dirty="0">
                 <a:ea typeface="Droid Sans Fallback" charset="0"/>
                 <a:cs typeface="Droid Sans Fallback" charset="0"/>
               </a:rPr>
@@ -5360,14 +5306,14 @@
               </a:tabLst>
             </a:pPr>
             <a:r>
-              <a:rPr lang="en-US" dirty="0" smtClean="0">
+              <a:rPr lang="en-US" dirty="0">
                 <a:ea typeface="Droid Sans Fallback" charset="0"/>
                 <a:cs typeface="Droid Sans Fallback" charset="0"/>
               </a:rPr>
               <a:t>For example, if our request is </a:t>
             </a:r>
             <a:r>
-              <a:rPr lang="en-US" dirty="0" smtClean="0">
+              <a:rPr lang="en-US" dirty="0">
                 <a:solidFill>
                   <a:srgbClr val="000080"/>
                 </a:solidFill>
@@ -5377,21 +5323,21 @@
               <a:t>http://somewhere.com/accounts/111</a:t>
             </a:r>
             <a:r>
-              <a:rPr lang="en-US" dirty="0" smtClean="0">
+              <a:rPr lang="en-US" dirty="0">
                 <a:ea typeface="Droid Sans Fallback" charset="0"/>
                 <a:cs typeface="Droid Sans Fallback" charset="0"/>
               </a:rPr>
               <a:t>, </a:t>
             </a:r>
             <a:r>
-              <a:rPr lang="en-US" dirty="0" err="1" smtClean="0">
+              <a:rPr lang="en-US" dirty="0" err="1">
                 <a:ea typeface="Droid Sans Fallback" charset="0"/>
                 <a:cs typeface="Droid Sans Fallback" charset="0"/>
               </a:rPr>
               <a:t>accountId</a:t>
             </a:r>
             <a:r>
-              <a:rPr lang="en-US" dirty="0" smtClean="0">
+              <a:rPr lang="en-US" dirty="0">
                 <a:ea typeface="Droid Sans Fallback" charset="0"/>
                 <a:cs typeface="Droid Sans Fallback" charset="0"/>
               </a:rPr>
@@ -5418,7 +5364,7 @@
               </a:tabLst>
             </a:pPr>
             <a:r>
-              <a:rPr lang="en-US" dirty="0" smtClean="0">
+              <a:rPr lang="en-US" dirty="0">
                 <a:ea typeface="Droid Sans Fallback" charset="0"/>
                 <a:cs typeface="Droid Sans Fallback" charset="0"/>
               </a:rPr>
@@ -5447,7 +5393,7 @@
               </a:tabLst>
             </a:pPr>
             <a:r>
-              <a:rPr lang="en-US" dirty="0" smtClean="0">
+              <a:rPr lang="en-US" dirty="0">
                 <a:ea typeface="Droid Sans Fallback" charset="0"/>
                 <a:cs typeface="Droid Sans Fallback" charset="0"/>
               </a:rPr>
@@ -5474,13 +5420,6 @@
   <p:clrMapOvr>
     <a:masterClrMapping/>
   </p:clrMapOvr>
-  <p:timing>
-    <p:tnLst>
-      <p:par>
-        <p:cTn xmlns:p14="http://schemas.microsoft.com/office/powerpoint/2010/main" id="1" dur="indefinite" restart="never" nodeType="tmRoot"/>
-      </p:par>
-    </p:tnLst>
-  </p:timing>
 </p:sld>
 </file>
 
@@ -5517,10 +5456,9 @@
           <a:lstStyle/>
           <a:p>
             <a:r>
-              <a:rPr lang="en-US" dirty="0" smtClean="0"/>
+              <a:rPr lang="en-US" dirty="0"/>
               <a:t>Handling Content Types</a:t>
             </a:r>
-            <a:endParaRPr lang="en-US" dirty="0"/>
           </a:p>
         </p:txBody>
       </p:sp>
@@ -5560,21 +5498,21 @@
               </a:tabLst>
             </a:pPr>
             <a:r>
-              <a:rPr lang="en-US" dirty="0" smtClean="0">
+              <a:rPr lang="en-US" dirty="0">
                 <a:ea typeface="Droid Sans Fallback" charset="0"/>
                 <a:cs typeface="Droid Sans Fallback" charset="0"/>
               </a:rPr>
               <a:t>The String passed back from </a:t>
             </a:r>
             <a:r>
-              <a:rPr lang="en-US" dirty="0" err="1" smtClean="0">
+              <a:rPr lang="en-US" dirty="0" err="1">
                 <a:ea typeface="Droid Sans Fallback" charset="0"/>
                 <a:cs typeface="Droid Sans Fallback" charset="0"/>
               </a:rPr>
               <a:t>getAccount</a:t>
             </a:r>
             <a:r>
-              <a:rPr lang="en-US" dirty="0" smtClean="0">
+              <a:rPr lang="en-US" dirty="0">
                 <a:ea typeface="Droid Sans Fallback" charset="0"/>
                 <a:cs typeface="Droid Sans Fallback" charset="0"/>
               </a:rPr>
@@ -5601,21 +5539,21 @@
               </a:tabLst>
             </a:pPr>
             <a:r>
-              <a:rPr lang="en-US" dirty="0" smtClean="0">
+              <a:rPr lang="en-US" dirty="0">
                 <a:ea typeface="Droid Sans Fallback" charset="0"/>
                 <a:cs typeface="Droid Sans Fallback" charset="0"/>
               </a:rPr>
               <a:t>You can specify which mime type the method return type provides with the @Produces annotation. For example, let's say </a:t>
             </a:r>
             <a:r>
-              <a:rPr lang="en-US" dirty="0" err="1" smtClean="0">
+              <a:rPr lang="en-US" dirty="0" err="1">
                 <a:ea typeface="Droid Sans Fallback" charset="0"/>
                 <a:cs typeface="Droid Sans Fallback" charset="0"/>
               </a:rPr>
               <a:t>getAccounts</a:t>
             </a:r>
             <a:r>
-              <a:rPr lang="en-US" dirty="0" smtClean="0">
+              <a:rPr lang="en-US" dirty="0">
                 <a:ea typeface="Droid Sans Fallback" charset="0"/>
                 <a:cs typeface="Droid Sans Fallback" charset="0"/>
               </a:rPr>
@@ -5642,7 +5580,7 @@
               </a:tabLst>
             </a:pPr>
             <a:r>
-              <a:rPr lang="en-US" dirty="0" smtClean="0">
+              <a:rPr lang="en-US" dirty="0">
                 <a:ea typeface="Droid Sans Fallback" charset="0"/>
                 <a:cs typeface="Droid Sans Fallback" charset="0"/>
               </a:rPr>
@@ -5662,13 +5600,6 @@
   <p:clrMapOvr>
     <a:masterClrMapping/>
   </p:clrMapOvr>
-  <p:timing>
-    <p:tnLst>
-      <p:par>
-        <p:cTn xmlns:p14="http://schemas.microsoft.com/office/powerpoint/2010/main" id="1" dur="indefinite" restart="never" nodeType="tmRoot"/>
-      </p:par>
-    </p:tnLst>
-  </p:timing>
 </p:sld>
 </file>
 
@@ -5705,10 +5636,9 @@
           <a:lstStyle/>
           <a:p>
             <a:r>
-              <a:rPr lang="en-US" dirty="0" smtClean="0"/>
+              <a:rPr lang="en-US" dirty="0"/>
               <a:t>Response Content Type</a:t>
             </a:r>
-            <a:endParaRPr lang="en-US" dirty="0"/>
           </a:p>
         </p:txBody>
       </p:sp>
@@ -5746,7 +5676,7 @@
               </a:tabLst>
             </a:pPr>
             <a:r>
-              <a:rPr lang="en-US" dirty="0" smtClean="0">
+              <a:rPr lang="en-US" dirty="0">
                 <a:latin typeface="Courier New" pitchFamily="49" charset="0"/>
                 <a:ea typeface="Droid Sans Fallback" charset="0"/>
                 <a:cs typeface="Courier New" pitchFamily="49" charset="0"/>
@@ -5772,7 +5702,7 @@
               </a:tabLst>
             </a:pPr>
             <a:r>
-              <a:rPr lang="en-US" dirty="0" smtClean="0">
+              <a:rPr lang="en-US" dirty="0">
                 <a:latin typeface="Courier New" pitchFamily="49" charset="0"/>
                 <a:ea typeface="Droid Sans Fallback" charset="0"/>
                 <a:cs typeface="Courier New" pitchFamily="49" charset="0"/>
@@ -5780,7 +5710,7 @@
               <a:t>public class </a:t>
             </a:r>
             <a:r>
-              <a:rPr lang="en-US" dirty="0" err="1" smtClean="0">
+              <a:rPr lang="en-US" dirty="0" err="1">
                 <a:latin typeface="Courier New" pitchFamily="49" charset="0"/>
                 <a:ea typeface="Droid Sans Fallback" charset="0"/>
                 <a:cs typeface="Courier New" pitchFamily="49" charset="0"/>
@@ -5788,7 +5718,7 @@
               <a:t>AccountEntryService</a:t>
             </a:r>
             <a:r>
-              <a:rPr lang="en-US" dirty="0" smtClean="0">
+              <a:rPr lang="en-US" dirty="0">
                 <a:latin typeface="Courier New" pitchFamily="49" charset="0"/>
                 <a:ea typeface="Droid Sans Fallback" charset="0"/>
                 <a:cs typeface="Courier New" pitchFamily="49" charset="0"/>
@@ -5814,7 +5744,7 @@
               </a:tabLst>
             </a:pPr>
             <a:r>
-              <a:rPr lang="en-US" dirty="0" smtClean="0">
+              <a:rPr lang="en-US" dirty="0">
                 <a:latin typeface="Courier New" pitchFamily="49" charset="0"/>
                 <a:ea typeface="Droid Sans Fallback" charset="0"/>
                 <a:cs typeface="Courier New" pitchFamily="49" charset="0"/>
@@ -5840,7 +5770,7 @@
               </a:tabLst>
             </a:pPr>
             <a:r>
-              <a:rPr lang="en-US" dirty="0" smtClean="0">
+              <a:rPr lang="en-US" dirty="0">
                 <a:latin typeface="Courier New" pitchFamily="49" charset="0"/>
                 <a:ea typeface="Droid Sans Fallback" charset="0"/>
                 <a:cs typeface="Courier New" pitchFamily="49" charset="0"/>
@@ -5866,7 +5796,7 @@
               </a:tabLst>
             </a:pPr>
             <a:r>
-              <a:rPr lang="en-US" dirty="0" smtClean="0">
+              <a:rPr lang="en-US" dirty="0">
                 <a:latin typeface="Courier New" pitchFamily="49" charset="0"/>
                 <a:ea typeface="Droid Sans Fallback" charset="0"/>
                 <a:cs typeface="Courier New" pitchFamily="49" charset="0"/>
@@ -5892,7 +5822,7 @@
               </a:tabLst>
             </a:pPr>
             <a:r>
-              <a:rPr lang="en-US" dirty="0" smtClean="0">
+              <a:rPr lang="en-US" dirty="0">
                 <a:latin typeface="Courier New" pitchFamily="49" charset="0"/>
                 <a:ea typeface="Droid Sans Fallback" charset="0"/>
                 <a:cs typeface="Courier New" pitchFamily="49" charset="0"/>
@@ -5900,14 +5830,14 @@
               <a:t>   public String</a:t>
             </a:r>
             <a:br>
-              <a:rPr lang="en-US" dirty="0" smtClean="0">
+              <a:rPr lang="en-US" dirty="0">
                 <a:latin typeface="Courier New" pitchFamily="49" charset="0"/>
                 <a:ea typeface="Droid Sans Fallback" charset="0"/>
                 <a:cs typeface="Courier New" pitchFamily="49" charset="0"/>
               </a:rPr>
             </a:br>
             <a:r>
-              <a:rPr lang="en-US" dirty="0" smtClean="0">
+              <a:rPr lang="en-US" dirty="0">
                 <a:latin typeface="Courier New" pitchFamily="49" charset="0"/>
                 <a:ea typeface="Droid Sans Fallback" charset="0"/>
                 <a:cs typeface="Courier New" pitchFamily="49" charset="0"/>
@@ -5915,7 +5845,7 @@
               <a:t> </a:t>
             </a:r>
             <a:r>
-              <a:rPr lang="en-US" dirty="0" err="1" smtClean="0">
+              <a:rPr lang="en-US" dirty="0" err="1">
                 <a:latin typeface="Courier New" pitchFamily="49" charset="0"/>
                 <a:ea typeface="Droid Sans Fallback" charset="0"/>
                 <a:cs typeface="Courier New" pitchFamily="49" charset="0"/>
@@ -5923,7 +5853,7 @@
               <a:t>getAccount</a:t>
             </a:r>
             <a:r>
-              <a:rPr lang="en-US" dirty="0" smtClean="0">
+              <a:rPr lang="en-US" dirty="0">
                 <a:latin typeface="Courier New" pitchFamily="49" charset="0"/>
                 <a:ea typeface="Droid Sans Fallback" charset="0"/>
                 <a:cs typeface="Courier New" pitchFamily="49" charset="0"/>
@@ -5931,7 +5861,7 @@
               <a:t>(@</a:t>
             </a:r>
             <a:r>
-              <a:rPr lang="en-US" dirty="0" err="1" smtClean="0">
+              <a:rPr lang="en-US" dirty="0" err="1">
                 <a:latin typeface="Courier New" pitchFamily="49" charset="0"/>
                 <a:ea typeface="Droid Sans Fallback" charset="0"/>
                 <a:cs typeface="Courier New" pitchFamily="49" charset="0"/>
@@ -5939,7 +5869,7 @@
               <a:t>PathParm</a:t>
             </a:r>
             <a:r>
-              <a:rPr lang="en-US" dirty="0" smtClean="0">
+              <a:rPr lang="en-US" dirty="0">
                 <a:latin typeface="Courier New" pitchFamily="49" charset="0"/>
                 <a:ea typeface="Droid Sans Fallback" charset="0"/>
                 <a:cs typeface="Courier New" pitchFamily="49" charset="0"/>
@@ -5947,7 +5877,7 @@
               <a:t>("id") </a:t>
             </a:r>
             <a:r>
-              <a:rPr lang="en-US" dirty="0" err="1" smtClean="0">
+              <a:rPr lang="en-US" dirty="0" err="1">
                 <a:latin typeface="Courier New" pitchFamily="49" charset="0"/>
                 <a:ea typeface="Droid Sans Fallback" charset="0"/>
                 <a:cs typeface="Courier New" pitchFamily="49" charset="0"/>
@@ -5955,7 +5885,7 @@
               <a:t>int</a:t>
             </a:r>
             <a:r>
-              <a:rPr lang="en-US" dirty="0" smtClean="0">
+              <a:rPr lang="en-US" dirty="0">
                 <a:latin typeface="Courier New" pitchFamily="49" charset="0"/>
                 <a:ea typeface="Droid Sans Fallback" charset="0"/>
                 <a:cs typeface="Courier New" pitchFamily="49" charset="0"/>
@@ -5963,7 +5893,7 @@
               <a:t> </a:t>
             </a:r>
             <a:r>
-              <a:rPr lang="en-US" dirty="0" err="1" smtClean="0">
+              <a:rPr lang="en-US" dirty="0" err="1">
                 <a:latin typeface="Courier New" pitchFamily="49" charset="0"/>
                 <a:ea typeface="Droid Sans Fallback" charset="0"/>
                 <a:cs typeface="Courier New" pitchFamily="49" charset="0"/>
@@ -5971,7 +5901,7 @@
               <a:t>accountId</a:t>
             </a:r>
             <a:r>
-              <a:rPr lang="en-US" dirty="0" smtClean="0">
+              <a:rPr lang="en-US" dirty="0">
                 <a:latin typeface="Courier New" pitchFamily="49" charset="0"/>
                 <a:ea typeface="Droid Sans Fallback" charset="0"/>
                 <a:cs typeface="Courier New" pitchFamily="49" charset="0"/>
@@ -5997,7 +5927,7 @@
               </a:tabLst>
             </a:pPr>
             <a:r>
-              <a:rPr lang="en-US" dirty="0" smtClean="0">
+              <a:rPr lang="en-US" dirty="0">
                 <a:latin typeface="Courier New" pitchFamily="49" charset="0"/>
                 <a:ea typeface="Droid Sans Fallback" charset="0"/>
                 <a:cs typeface="Courier New" pitchFamily="49" charset="0"/>
@@ -6023,7 +5953,7 @@
               </a:tabLst>
             </a:pPr>
             <a:r>
-              <a:rPr lang="en-US" dirty="0" smtClean="0">
+              <a:rPr lang="en-US" dirty="0">
                 <a:latin typeface="Courier New" pitchFamily="49" charset="0"/>
                 <a:ea typeface="Droid Sans Fallback" charset="0"/>
                 <a:cs typeface="Courier New" pitchFamily="49" charset="0"/>
@@ -6049,7 +5979,7 @@
               </a:tabLst>
             </a:pPr>
             <a:r>
-              <a:rPr lang="en-US" dirty="0" smtClean="0">
+              <a:rPr lang="en-US" dirty="0">
                 <a:latin typeface="Courier New" pitchFamily="49" charset="0"/>
                 <a:ea typeface="Droid Sans Fallback" charset="0"/>
                 <a:cs typeface="Courier New" pitchFamily="49" charset="0"/>
@@ -6075,7 +6005,7 @@
               </a:tabLst>
             </a:pPr>
             <a:r>
-              <a:rPr lang="en-US" dirty="0" smtClean="0">
+              <a:rPr lang="en-US" dirty="0">
                 <a:latin typeface="Courier New" pitchFamily="49" charset="0"/>
                 <a:ea typeface="Droid Sans Fallback" charset="0"/>
                 <a:cs typeface="Courier New" pitchFamily="49" charset="0"/>
@@ -6099,13 +6029,6 @@
   <p:clrMapOvr>
     <a:masterClrMapping/>
   </p:clrMapOvr>
-  <p:timing>
-    <p:tnLst>
-      <p:par>
-        <p:cTn xmlns:p14="http://schemas.microsoft.com/office/powerpoint/2010/main" id="1" dur="indefinite" restart="never" nodeType="tmRoot"/>
-      </p:par>
-    </p:tnLst>
-  </p:timing>
 </p:sld>
 </file>
 
@@ -6142,10 +6065,9 @@
           <a:lstStyle/>
           <a:p>
             <a:r>
-              <a:rPr lang="en-US" dirty="0" smtClean="0"/>
+              <a:rPr lang="en-US" dirty="0"/>
               <a:t>Content Negotiation</a:t>
             </a:r>
-            <a:endParaRPr lang="en-US" dirty="0"/>
           </a:p>
         </p:txBody>
       </p:sp>
@@ -6185,7 +6107,7 @@
               </a:tabLst>
             </a:pPr>
             <a:r>
-              <a:rPr lang="en-US" dirty="0" smtClean="0">
+              <a:rPr lang="en-US" dirty="0">
                 <a:ea typeface="Droid Sans Fallback" charset="0"/>
                 <a:cs typeface="Droid Sans Fallback" charset="0"/>
               </a:rPr>
@@ -6212,7 +6134,7 @@
               </a:tabLst>
             </a:pPr>
             <a:r>
-              <a:rPr lang="en-US" dirty="0" smtClean="0">
+              <a:rPr lang="en-US" dirty="0">
                 <a:ea typeface="Droid Sans Fallback" charset="0"/>
                 <a:cs typeface="Droid Sans Fallback" charset="0"/>
               </a:rPr>
@@ -6241,49 +6163,49 @@
               </a:tabLst>
             </a:pPr>
             <a:r>
-              <a:rPr lang="en-US" dirty="0" smtClean="0">
+              <a:rPr lang="en-US" dirty="0">
                 <a:ea typeface="Droid Sans Fallback" charset="0"/>
                 <a:cs typeface="Droid Sans Fallback" charset="0"/>
               </a:rPr>
               <a:t>Accept: text/</a:t>
             </a:r>
             <a:r>
-              <a:rPr lang="en-US" dirty="0" err="1" smtClean="0">
+              <a:rPr lang="en-US" dirty="0" err="1">
                 <a:ea typeface="Droid Sans Fallback" charset="0"/>
                 <a:cs typeface="Droid Sans Fallback" charset="0"/>
               </a:rPr>
               <a:t>html,application</a:t>
             </a:r>
             <a:r>
-              <a:rPr lang="en-US" dirty="0" smtClean="0">
+              <a:rPr lang="en-US" dirty="0">
                 <a:ea typeface="Droid Sans Fallback" charset="0"/>
                 <a:cs typeface="Droid Sans Fallback" charset="0"/>
               </a:rPr>
               <a:t>/</a:t>
             </a:r>
             <a:r>
-              <a:rPr lang="en-US" dirty="0" err="1" smtClean="0">
+              <a:rPr lang="en-US" dirty="0" err="1">
                 <a:ea typeface="Droid Sans Fallback" charset="0"/>
                 <a:cs typeface="Droid Sans Fallback" charset="0"/>
               </a:rPr>
               <a:t>xhtml+xml,application</a:t>
             </a:r>
             <a:r>
-              <a:rPr lang="en-US" dirty="0" smtClean="0">
+              <a:rPr lang="en-US" dirty="0">
                 <a:ea typeface="Droid Sans Fallback" charset="0"/>
                 <a:cs typeface="Droid Sans Fallback" charset="0"/>
               </a:rPr>
               <a:t>/</a:t>
             </a:r>
             <a:r>
-              <a:rPr lang="en-US" dirty="0" err="1" smtClean="0">
+              <a:rPr lang="en-US" dirty="0" err="1">
                 <a:ea typeface="Droid Sans Fallback" charset="0"/>
                 <a:cs typeface="Droid Sans Fallback" charset="0"/>
               </a:rPr>
               <a:t>xml;q</a:t>
             </a:r>
             <a:r>
-              <a:rPr lang="en-US" dirty="0" smtClean="0">
+              <a:rPr lang="en-US" dirty="0">
                 <a:ea typeface="Droid Sans Fallback" charset="0"/>
                 <a:cs typeface="Droid Sans Fallback" charset="0"/>
               </a:rPr>
@@ -6310,7 +6232,7 @@
               </a:tabLst>
             </a:pPr>
             <a:r>
-              <a:rPr lang="en-US" dirty="0" smtClean="0">
+              <a:rPr lang="en-US" dirty="0">
                 <a:ea typeface="Droid Sans Fallback" charset="0"/>
                 <a:cs typeface="Droid Sans Fallback" charset="0"/>
               </a:rPr>
@@ -6339,13 +6261,6 @@
   <p:clrMapOvr>
     <a:masterClrMapping/>
   </p:clrMapOvr>
-  <p:timing>
-    <p:tnLst>
-      <p:par>
-        <p:cTn xmlns:p14="http://schemas.microsoft.com/office/powerpoint/2010/main" id="1" dur="indefinite" restart="never" nodeType="tmRoot"/>
-      </p:par>
-    </p:tnLst>
-  </p:timing>
 </p:sld>
 </file>
 
@@ -6382,10 +6297,9 @@
           <a:lstStyle/>
           <a:p>
             <a:r>
-              <a:rPr lang="en-US" dirty="0" smtClean="0"/>
+              <a:rPr lang="en-US" dirty="0"/>
               <a:t>Request Content Type</a:t>
             </a:r>
-            <a:endParaRPr lang="en-US" dirty="0"/>
           </a:p>
         </p:txBody>
       </p:sp>
@@ -6423,7 +6337,7 @@
               </a:tabLst>
             </a:pPr>
             <a:r>
-              <a:rPr lang="en-US" dirty="0" smtClean="0">
+              <a:rPr lang="en-US" dirty="0">
                 <a:latin typeface="Courier New" pitchFamily="49" charset="0"/>
                 <a:ea typeface="Droid Sans Fallback" charset="0"/>
                 <a:cs typeface="Courier New" pitchFamily="49" charset="0"/>
@@ -6449,7 +6363,7 @@
               </a:tabLst>
             </a:pPr>
             <a:r>
-              <a:rPr lang="en-US" dirty="0" smtClean="0">
+              <a:rPr lang="en-US" dirty="0">
                 <a:latin typeface="Courier New" pitchFamily="49" charset="0"/>
                 <a:ea typeface="Droid Sans Fallback" charset="0"/>
                 <a:cs typeface="Courier New" pitchFamily="49" charset="0"/>
@@ -6457,7 +6371,7 @@
               <a:t>public class </a:t>
             </a:r>
             <a:r>
-              <a:rPr lang="en-US" dirty="0" err="1" smtClean="0">
+              <a:rPr lang="en-US" dirty="0" err="1">
                 <a:latin typeface="Courier New" pitchFamily="49" charset="0"/>
                 <a:ea typeface="Droid Sans Fallback" charset="0"/>
                 <a:cs typeface="Courier New" pitchFamily="49" charset="0"/>
@@ -6465,7 +6379,7 @@
               <a:t>AccountEntryService</a:t>
             </a:r>
             <a:r>
-              <a:rPr lang="en-US" dirty="0" smtClean="0">
+              <a:rPr lang="en-US" dirty="0">
                 <a:latin typeface="Courier New" pitchFamily="49" charset="0"/>
                 <a:ea typeface="Droid Sans Fallback" charset="0"/>
                 <a:cs typeface="Courier New" pitchFamily="49" charset="0"/>
@@ -6491,7 +6405,7 @@
               </a:tabLst>
             </a:pPr>
             <a:r>
-              <a:rPr lang="en-US" dirty="0" smtClean="0">
+              <a:rPr lang="en-US" dirty="0">
                 <a:latin typeface="Courier New" pitchFamily="49" charset="0"/>
                 <a:ea typeface="Droid Sans Fallback" charset="0"/>
                 <a:cs typeface="Courier New" pitchFamily="49" charset="0"/>
@@ -6517,7 +6431,7 @@
               </a:tabLst>
             </a:pPr>
             <a:r>
-              <a:rPr lang="en-US" dirty="0" smtClean="0">
+              <a:rPr lang="en-US" dirty="0">
                 <a:latin typeface="Courier New" pitchFamily="49" charset="0"/>
                 <a:ea typeface="Droid Sans Fallback" charset="0"/>
                 <a:cs typeface="Courier New" pitchFamily="49" charset="0"/>
@@ -6543,7 +6457,7 @@
               </a:tabLst>
             </a:pPr>
             <a:r>
-              <a:rPr lang="en-US" dirty="0" smtClean="0">
+              <a:rPr lang="en-US" dirty="0">
                 <a:latin typeface="Courier New" pitchFamily="49" charset="0"/>
                 <a:ea typeface="Droid Sans Fallback" charset="0"/>
                 <a:cs typeface="Courier New" pitchFamily="49" charset="0"/>
@@ -6569,7 +6483,7 @@
               </a:tabLst>
             </a:pPr>
             <a:r>
-              <a:rPr lang="en-US" dirty="0" smtClean="0">
+              <a:rPr lang="en-US" dirty="0">
                 <a:latin typeface="Courier New" pitchFamily="49" charset="0"/>
                 <a:ea typeface="Droid Sans Fallback" charset="0"/>
                 <a:cs typeface="Courier New" pitchFamily="49" charset="0"/>
@@ -6577,7 +6491,7 @@
               <a:t>   public String </a:t>
             </a:r>
             <a:r>
-              <a:rPr lang="en-US" dirty="0" err="1" smtClean="0">
+              <a:rPr lang="en-US" dirty="0" err="1">
                 <a:latin typeface="Courier New" pitchFamily="49" charset="0"/>
                 <a:ea typeface="Droid Sans Fallback" charset="0"/>
                 <a:cs typeface="Courier New" pitchFamily="49" charset="0"/>
@@ -6585,7 +6499,7 @@
               <a:t>getAccount</a:t>
             </a:r>
             <a:r>
-              <a:rPr lang="en-US" dirty="0" smtClean="0">
+              <a:rPr lang="en-US" dirty="0">
                 <a:latin typeface="Courier New" pitchFamily="49" charset="0"/>
                 <a:ea typeface="Droid Sans Fallback" charset="0"/>
                 <a:cs typeface="Courier New" pitchFamily="49" charset="0"/>
@@ -6593,7 +6507,7 @@
               <a:t>(@</a:t>
             </a:r>
             <a:r>
-              <a:rPr lang="en-US" dirty="0" err="1" smtClean="0">
+              <a:rPr lang="en-US" dirty="0" err="1">
                 <a:latin typeface="Courier New" pitchFamily="49" charset="0"/>
                 <a:ea typeface="Droid Sans Fallback" charset="0"/>
                 <a:cs typeface="Courier New" pitchFamily="49" charset="0"/>
@@ -6601,7 +6515,7 @@
               <a:t>PathParm</a:t>
             </a:r>
             <a:r>
-              <a:rPr lang="en-US" dirty="0" smtClean="0">
+              <a:rPr lang="en-US" dirty="0">
                 <a:latin typeface="Courier New" pitchFamily="49" charset="0"/>
                 <a:ea typeface="Droid Sans Fallback" charset="0"/>
                 <a:cs typeface="Courier New" pitchFamily="49" charset="0"/>
@@ -6609,7 +6523,7 @@
               <a:t>("id") </a:t>
             </a:r>
             <a:r>
-              <a:rPr lang="en-US" dirty="0" err="1" smtClean="0">
+              <a:rPr lang="en-US" dirty="0" err="1">
                 <a:latin typeface="Courier New" pitchFamily="49" charset="0"/>
                 <a:ea typeface="Droid Sans Fallback" charset="0"/>
                 <a:cs typeface="Courier New" pitchFamily="49" charset="0"/>
@@ -6617,7 +6531,7 @@
               <a:t>int</a:t>
             </a:r>
             <a:r>
-              <a:rPr lang="en-US" dirty="0" smtClean="0">
+              <a:rPr lang="en-US" dirty="0">
                 <a:latin typeface="Courier New" pitchFamily="49" charset="0"/>
                 <a:ea typeface="Droid Sans Fallback" charset="0"/>
                 <a:cs typeface="Courier New" pitchFamily="49" charset="0"/>
@@ -6625,7 +6539,7 @@
               <a:t> </a:t>
             </a:r>
             <a:r>
-              <a:rPr lang="en-US" dirty="0" err="1" smtClean="0">
+              <a:rPr lang="en-US" dirty="0" err="1">
                 <a:latin typeface="Courier New" pitchFamily="49" charset="0"/>
                 <a:ea typeface="Droid Sans Fallback" charset="0"/>
                 <a:cs typeface="Courier New" pitchFamily="49" charset="0"/>
@@ -6633,7 +6547,7 @@
               <a:t>accountId</a:t>
             </a:r>
             <a:r>
-              <a:rPr lang="en-US" dirty="0" smtClean="0">
+              <a:rPr lang="en-US" dirty="0">
                 <a:latin typeface="Courier New" pitchFamily="49" charset="0"/>
                 <a:ea typeface="Droid Sans Fallback" charset="0"/>
                 <a:cs typeface="Courier New" pitchFamily="49" charset="0"/>
@@ -6658,7 +6572,7 @@
                 <a:tab pos="7223943" algn="l"/>
               </a:tabLst>
             </a:pPr>
-            <a:endParaRPr lang="en-US" dirty="0" smtClean="0">
+            <a:endParaRPr lang="en-US" dirty="0">
               <a:latin typeface="Courier New" pitchFamily="49" charset="0"/>
               <a:ea typeface="Droid Sans Fallback" charset="0"/>
               <a:cs typeface="Courier New" pitchFamily="49" charset="0"/>
@@ -6682,7 +6596,7 @@
               </a:tabLst>
             </a:pPr>
             <a:r>
-              <a:rPr lang="en-US" dirty="0" smtClean="0">
+              <a:rPr lang="en-US" dirty="0">
                 <a:latin typeface="Courier New" pitchFamily="49" charset="0"/>
                 <a:ea typeface="Droid Sans Fallback" charset="0"/>
                 <a:cs typeface="Courier New" pitchFamily="49" charset="0"/>
@@ -6708,7 +6622,7 @@
               </a:tabLst>
             </a:pPr>
             <a:r>
-              <a:rPr lang="en-US" dirty="0" smtClean="0">
+              <a:rPr lang="en-US" dirty="0">
                 <a:latin typeface="Courier New" pitchFamily="49" charset="0"/>
                 <a:ea typeface="Droid Sans Fallback" charset="0"/>
                 <a:cs typeface="Courier New" pitchFamily="49" charset="0"/>
@@ -6734,7 +6648,7 @@
               </a:tabLst>
             </a:pPr>
             <a:r>
-              <a:rPr lang="en-US" dirty="0" smtClean="0">
+              <a:rPr lang="en-US" dirty="0">
                 <a:latin typeface="Courier New" pitchFamily="49" charset="0"/>
                 <a:ea typeface="Droid Sans Fallback" charset="0"/>
                 <a:cs typeface="Courier New" pitchFamily="49" charset="0"/>
@@ -6760,7 +6674,7 @@
               </a:tabLst>
             </a:pPr>
             <a:r>
-              <a:rPr lang="en-US" dirty="0" smtClean="0">
+              <a:rPr lang="en-US" dirty="0">
                 <a:latin typeface="Courier New" pitchFamily="49" charset="0"/>
                 <a:ea typeface="Droid Sans Fallback" charset="0"/>
                 <a:cs typeface="Courier New" pitchFamily="49" charset="0"/>
@@ -6768,7 +6682,7 @@
               <a:t>   public String </a:t>
             </a:r>
             <a:r>
-              <a:rPr lang="en-US" dirty="0" err="1" smtClean="0">
+              <a:rPr lang="en-US" dirty="0" err="1">
                 <a:latin typeface="Courier New" pitchFamily="49" charset="0"/>
                 <a:ea typeface="Droid Sans Fallback" charset="0"/>
                 <a:cs typeface="Courier New" pitchFamily="49" charset="0"/>
@@ -6776,7 +6690,7 @@
               <a:t>getAccountHtml</a:t>
             </a:r>
             <a:r>
-              <a:rPr lang="en-US" dirty="0" smtClean="0">
+              <a:rPr lang="en-US" dirty="0">
                 <a:latin typeface="Courier New" pitchFamily="49" charset="0"/>
                 <a:ea typeface="Droid Sans Fallback" charset="0"/>
                 <a:cs typeface="Courier New" pitchFamily="49" charset="0"/>
@@ -6784,7 +6698,7 @@
               <a:t>(@</a:t>
             </a:r>
             <a:r>
-              <a:rPr lang="en-US" dirty="0" err="1" smtClean="0">
+              <a:rPr lang="en-US" dirty="0" err="1">
                 <a:latin typeface="Courier New" pitchFamily="49" charset="0"/>
                 <a:ea typeface="Droid Sans Fallback" charset="0"/>
                 <a:cs typeface="Courier New" pitchFamily="49" charset="0"/>
@@ -6792,7 +6706,7 @@
               <a:t>PathParm</a:t>
             </a:r>
             <a:r>
-              <a:rPr lang="en-US" dirty="0" smtClean="0">
+              <a:rPr lang="en-US" dirty="0">
                 <a:latin typeface="Courier New" pitchFamily="49" charset="0"/>
                 <a:ea typeface="Droid Sans Fallback" charset="0"/>
                 <a:cs typeface="Courier New" pitchFamily="49" charset="0"/>
@@ -6800,7 +6714,7 @@
               <a:t>("id") </a:t>
             </a:r>
             <a:r>
-              <a:rPr lang="en-US" dirty="0" err="1" smtClean="0">
+              <a:rPr lang="en-US" dirty="0" err="1">
                 <a:latin typeface="Courier New" pitchFamily="49" charset="0"/>
                 <a:ea typeface="Droid Sans Fallback" charset="0"/>
                 <a:cs typeface="Courier New" pitchFamily="49" charset="0"/>
@@ -6808,7 +6722,7 @@
               <a:t>int</a:t>
             </a:r>
             <a:r>
-              <a:rPr lang="en-US" dirty="0" smtClean="0">
+              <a:rPr lang="en-US" dirty="0">
                 <a:latin typeface="Courier New" pitchFamily="49" charset="0"/>
                 <a:ea typeface="Droid Sans Fallback" charset="0"/>
                 <a:cs typeface="Courier New" pitchFamily="49" charset="0"/>
@@ -6816,7 +6730,7 @@
               <a:t> </a:t>
             </a:r>
             <a:r>
-              <a:rPr lang="en-US" dirty="0" err="1" smtClean="0">
+              <a:rPr lang="en-US" dirty="0" err="1">
                 <a:latin typeface="Courier New" pitchFamily="49" charset="0"/>
                 <a:ea typeface="Droid Sans Fallback" charset="0"/>
                 <a:cs typeface="Courier New" pitchFamily="49" charset="0"/>
@@ -6824,7 +6738,7 @@
               <a:t>accountId</a:t>
             </a:r>
             <a:r>
-              <a:rPr lang="en-US" dirty="0" smtClean="0">
+              <a:rPr lang="en-US" dirty="0">
                 <a:latin typeface="Courier New" pitchFamily="49" charset="0"/>
                 <a:ea typeface="Droid Sans Fallback" charset="0"/>
                 <a:cs typeface="Courier New" pitchFamily="49" charset="0"/>
@@ -6850,7 +6764,7 @@
               </a:tabLst>
             </a:pPr>
             <a:r>
-              <a:rPr lang="en-US" dirty="0" smtClean="0">
+              <a:rPr lang="en-US" dirty="0">
                 <a:latin typeface="Courier New" pitchFamily="49" charset="0"/>
                 <a:ea typeface="Droid Sans Fallback" charset="0"/>
                 <a:cs typeface="Courier New" pitchFamily="49" charset="0"/>
@@ -6874,13 +6788,6 @@
   <p:clrMapOvr>
     <a:masterClrMapping/>
   </p:clrMapOvr>
-  <p:timing>
-    <p:tnLst>
-      <p:par>
-        <p:cTn xmlns:p14="http://schemas.microsoft.com/office/powerpoint/2010/main" id="1" dur="indefinite" restart="never" nodeType="tmRoot"/>
-      </p:par>
-    </p:tnLst>
-  </p:timing>
 </p:sld>
 </file>
 
@@ -6919,18 +6826,9 @@
           <a:lstStyle/>
           <a:p>
             <a:r>
-              <a:rPr lang="en-US" dirty="0" smtClean="0"/>
-              <a:t>The </a:t>
-            </a:r>
-            <a:r>
               <a:rPr lang="en-US" dirty="0"/>
-              <a:t>R</a:t>
-            </a:r>
-            <a:r>
-              <a:rPr lang="en-US" dirty="0" smtClean="0"/>
-              <a:t>esponse Body</a:t>
-            </a:r>
-            <a:endParaRPr lang="en-US" dirty="0"/>
+              <a:t>The Response Body</a:t>
+            </a:r>
           </a:p>
         </p:txBody>
       </p:sp>
@@ -6948,15 +6846,6 @@
         <p:txBody>
           <a:bodyPr/>
           <a:lstStyle/>
-          <a:p>
-            <a:pPr marL="0" indent="0">
-              <a:buNone/>
-            </a:pPr>
-            <a:endParaRPr lang="en-US" dirty="0" smtClean="0">
-              <a:latin typeface="Lucida Sans Typewriter"/>
-              <a:cs typeface="Lucida Sans Typewriter"/>
-            </a:endParaRPr>
-          </a:p>
           <a:p>
             <a:pPr marL="0" indent="0">
               <a:buNone/>
@@ -6970,8 +6859,17 @@
             <a:pPr marL="0" indent="0">
               <a:buNone/>
             </a:pPr>
-            <a:r>
-              <a:rPr lang="en-US" dirty="0" smtClean="0">
+            <a:endParaRPr lang="en-US" dirty="0">
+              <a:latin typeface="Lucida Sans Typewriter"/>
+              <a:cs typeface="Lucida Sans Typewriter"/>
+            </a:endParaRPr>
+          </a:p>
+          <a:p>
+            <a:pPr marL="0" indent="0">
+              <a:buNone/>
+            </a:pPr>
+            <a:r>
+              <a:rPr lang="en-US" dirty="0">
                 <a:latin typeface="Lucida Sans Typewriter"/>
                 <a:cs typeface="Lucida Sans Typewriter"/>
               </a:rPr>
@@ -6989,70 +6887,56 @@
                 <a:latin typeface="Lucida Sans Typewriter"/>
                 <a:cs typeface="Lucida Sans Typewriter"/>
               </a:rPr>
-              <a:t>()</a:t>
-            </a:r>
-            <a:r>
-              <a:rPr lang="en-US" dirty="0" smtClean="0">
+              <a:t>().</a:t>
+            </a:r>
+            <a:br>
+              <a:rPr lang="en-US" dirty="0">
                 <a:latin typeface="Lucida Sans Typewriter"/>
                 <a:cs typeface="Lucida Sans Typewriter"/>
               </a:rPr>
-              <a:t>.</a:t>
-            </a:r>
-            <a:br>
-              <a:rPr lang="en-US" dirty="0" smtClean="0">
+            </a:br>
+            <a:r>
+              <a:rPr lang="en-US" dirty="0">
                 <a:latin typeface="Lucida Sans Typewriter"/>
                 <a:cs typeface="Lucida Sans Typewriter"/>
               </a:rPr>
-            </a:br>
-            <a:r>
-              <a:rPr lang="en-US" dirty="0" smtClean="0">
+              <a:t>	</a:t>
+            </a:r>
+            <a:r>
+              <a:rPr lang="en-US" i="1" dirty="0">
                 <a:latin typeface="Lucida Sans Typewriter"/>
                 <a:cs typeface="Lucida Sans Typewriter"/>
               </a:rPr>
-              <a:t>	</a:t>
-            </a:r>
-            <a:r>
-              <a:rPr lang="en-US" i="1" dirty="0" smtClean="0">
+              <a:t>entity(</a:t>
+            </a:r>
+            <a:r>
+              <a:rPr lang="en-US" i="1" dirty="0" err="1">
                 <a:latin typeface="Lucida Sans Typewriter"/>
                 <a:cs typeface="Lucida Sans Typewriter"/>
               </a:rPr>
-              <a:t>entity(</a:t>
-            </a:r>
-            <a:r>
-              <a:rPr lang="en-US" i="1" dirty="0" err="1" smtClean="0">
+              <a:t>response_body</a:t>
+            </a:r>
+            <a:r>
+              <a:rPr lang="en-US" i="1" dirty="0">
                 <a:latin typeface="Lucida Sans Typewriter"/>
                 <a:cs typeface="Lucida Sans Typewriter"/>
               </a:rPr>
-              <a:t>response_body</a:t>
-            </a:r>
-            <a:r>
-              <a:rPr lang="en-US" i="1" dirty="0" smtClean="0">
+              <a:t>)</a:t>
+            </a:r>
+            <a:r>
+              <a:rPr lang="en-US" dirty="0">
                 <a:latin typeface="Lucida Sans Typewriter"/>
                 <a:cs typeface="Lucida Sans Typewriter"/>
               </a:rPr>
-              <a:t>)</a:t>
-            </a:r>
-            <a:r>
+              <a:t>.build();</a:t>
+            </a:r>
+            <a:br>
               <a:rPr lang="en-US" dirty="0">
                 <a:latin typeface="Lucida Sans Typewriter"/>
                 <a:cs typeface="Lucida Sans Typewriter"/>
               </a:rPr>
-              <a:t>.build()</a:t>
-            </a:r>
-            <a:r>
-              <a:rPr lang="en-US" dirty="0" smtClean="0">
-                <a:latin typeface="Lucida Sans Typewriter"/>
-                <a:cs typeface="Lucida Sans Typewriter"/>
-              </a:rPr>
-              <a:t>;</a:t>
-            </a:r>
-            <a:br>
-              <a:rPr lang="en-US" dirty="0" smtClean="0">
-                <a:latin typeface="Lucida Sans Typewriter"/>
-                <a:cs typeface="Lucida Sans Typewriter"/>
-              </a:rPr>
             </a:br>
-            <a:endParaRPr lang="en-US" dirty="0" smtClean="0">
+            <a:endParaRPr lang="en-US" dirty="0">
               <a:latin typeface="Lucida Sans Typewriter"/>
               <a:cs typeface="Lucida Sans Typewriter"/>
             </a:endParaRPr>
@@ -7114,10 +6998,9 @@
           <a:lstStyle/>
           <a:p>
             <a:r>
-              <a:rPr lang="en-US" dirty="0" smtClean="0"/>
+              <a:rPr lang="en-US" dirty="0"/>
               <a:t>Just do it?!</a:t>
             </a:r>
-            <a:endParaRPr lang="en-US" dirty="0"/>
           </a:p>
         </p:txBody>
       </p:sp>
@@ -7155,13 +7038,6 @@
   <p:clrMapOvr>
     <a:masterClrMapping/>
   </p:clrMapOvr>
-  <p:timing>
-    <p:tnLst>
-      <p:par>
-        <p:cTn xmlns:p14="http://schemas.microsoft.com/office/powerpoint/2010/main" id="1" dur="indefinite" restart="never" nodeType="tmRoot"/>
-      </p:par>
-    </p:tnLst>
-  </p:timing>
 </p:sld>
 </file>
 
@@ -7198,10 +7074,9 @@
           <a:lstStyle/>
           <a:p>
             <a:r>
-              <a:rPr lang="en-US" dirty="0" smtClean="0"/>
+              <a:rPr lang="en-US" dirty="0"/>
               <a:t>Content Marshalling</a:t>
             </a:r>
-            <a:endParaRPr lang="en-US" dirty="0"/>
           </a:p>
         </p:txBody>
       </p:sp>
@@ -7241,21 +7116,21 @@
               </a:tabLst>
             </a:pPr>
             <a:r>
-              <a:rPr lang="en-US" dirty="0" smtClean="0">
+              <a:rPr lang="en-US" dirty="0">
                 <a:ea typeface="Droid Sans Fallback" charset="0"/>
                 <a:cs typeface="Droid Sans Fallback" charset="0"/>
               </a:rPr>
               <a:t>JAX-RS allows you to write HTTP message body readers and writers that know how to </a:t>
             </a:r>
             <a:r>
-              <a:rPr lang="en-US" dirty="0" err="1" smtClean="0">
+              <a:rPr lang="en-US" dirty="0" err="1">
                 <a:ea typeface="Droid Sans Fallback" charset="0"/>
                 <a:cs typeface="Droid Sans Fallback" charset="0"/>
               </a:rPr>
               <a:t>marshall</a:t>
             </a:r>
             <a:r>
-              <a:rPr lang="en-US" dirty="0" smtClean="0">
+              <a:rPr lang="en-US" dirty="0">
                 <a:ea typeface="Droid Sans Fallback" charset="0"/>
                 <a:cs typeface="Droid Sans Fallback" charset="0"/>
               </a:rPr>
@@ -7282,21 +7157,21 @@
               </a:tabLst>
             </a:pPr>
             <a:r>
-              <a:rPr lang="en-US" dirty="0" smtClean="0">
+              <a:rPr lang="en-US" dirty="0">
                 <a:ea typeface="Droid Sans Fallback" charset="0"/>
                 <a:cs typeface="Droid Sans Fallback" charset="0"/>
               </a:rPr>
               <a:t>The JAX-RS specification has some required built-in </a:t>
             </a:r>
             <a:r>
-              <a:rPr lang="en-US" dirty="0" err="1" smtClean="0">
+              <a:rPr lang="en-US" dirty="0" err="1">
                 <a:ea typeface="Droid Sans Fallback" charset="0"/>
                 <a:cs typeface="Droid Sans Fallback" charset="0"/>
               </a:rPr>
               <a:t>marshallers</a:t>
             </a:r>
             <a:r>
-              <a:rPr lang="en-US" dirty="0" smtClean="0">
+              <a:rPr lang="en-US" dirty="0">
                 <a:ea typeface="Droid Sans Fallback" charset="0"/>
                 <a:cs typeface="Droid Sans Fallback" charset="0"/>
               </a:rPr>
@@ -7323,14 +7198,14 @@
               </a:tabLst>
             </a:pPr>
             <a:r>
-              <a:rPr lang="en-US" dirty="0" smtClean="0">
+              <a:rPr lang="en-US" dirty="0">
                 <a:ea typeface="Droid Sans Fallback" charset="0"/>
                 <a:cs typeface="Droid Sans Fallback" charset="0"/>
               </a:rPr>
               <a:t>The details are beyond this course, but look up </a:t>
             </a:r>
             <a:r>
-              <a:rPr lang="en-US" b="1" dirty="0" smtClean="0">
+              <a:rPr lang="en-US" b="1" dirty="0">
                 <a:ea typeface="Droid Sans Fallback" charset="0"/>
                 <a:cs typeface="Droid Sans Fallback" charset="0"/>
               </a:rPr>
@@ -7352,13 +7227,6 @@
   <p:clrMapOvr>
     <a:masterClrMapping/>
   </p:clrMapOvr>
-  <p:timing>
-    <p:tnLst>
-      <p:par>
-        <p:cTn xmlns:p14="http://schemas.microsoft.com/office/powerpoint/2010/main" id="1" dur="indefinite" restart="never" nodeType="tmRoot"/>
-      </p:par>
-    </p:tnLst>
-  </p:timing>
 </p:sld>
 </file>
 
@@ -7395,10 +7263,9 @@
           <a:lstStyle/>
           <a:p>
             <a:r>
-              <a:rPr lang="en-US" dirty="0" smtClean="0"/>
+              <a:rPr lang="en-US" dirty="0"/>
               <a:t>Response Codes</a:t>
             </a:r>
-            <a:endParaRPr lang="en-US" dirty="0"/>
           </a:p>
         </p:txBody>
       </p:sp>
@@ -7438,7 +7305,7 @@
               </a:tabLst>
             </a:pPr>
             <a:r>
-              <a:rPr lang="en-US" dirty="0" smtClean="0">
+              <a:rPr lang="en-US" dirty="0">
                 <a:ea typeface="Droid Sans Fallback" charset="0"/>
                 <a:cs typeface="Droid Sans Fallback" charset="0"/>
               </a:rPr>
@@ -7467,7 +7334,7 @@
               </a:tabLst>
             </a:pPr>
             <a:r>
-              <a:rPr lang="en-US" dirty="0" smtClean="0">
+              <a:rPr lang="en-US" dirty="0">
                 <a:ea typeface="Droid Sans Fallback" charset="0"/>
                 <a:cs typeface="Droid Sans Fallback" charset="0"/>
               </a:rPr>
@@ -7496,7 +7363,7 @@
               </a:tabLst>
             </a:pPr>
             <a:r>
-              <a:rPr lang="en-US" dirty="0" smtClean="0">
+              <a:rPr lang="en-US" dirty="0">
                 <a:ea typeface="Droid Sans Fallback" charset="0"/>
                 <a:cs typeface="Droid Sans Fallback" charset="0"/>
               </a:rPr>
@@ -7523,7 +7390,7 @@
               </a:tabLst>
             </a:pPr>
             <a:r>
-              <a:rPr lang="en-US" dirty="0" smtClean="0">
+              <a:rPr lang="en-US" dirty="0">
                 <a:ea typeface="Droid Sans Fallback" charset="0"/>
                 <a:cs typeface="Droid Sans Fallback" charset="0"/>
               </a:rPr>
@@ -7550,7 +7417,7 @@
               </a:tabLst>
             </a:pPr>
             <a:r>
-              <a:rPr lang="en-US" dirty="0" smtClean="0">
+              <a:rPr lang="en-US" dirty="0">
                 <a:ea typeface="Droid Sans Fallback" charset="0"/>
                 <a:cs typeface="Droid Sans Fallback" charset="0"/>
               </a:rPr>
@@ -7579,13 +7446,6 @@
   <p:clrMapOvr>
     <a:masterClrMapping/>
   </p:clrMapOvr>
-  <p:timing>
-    <p:tnLst>
-      <p:par>
-        <p:cTn xmlns:p14="http://schemas.microsoft.com/office/powerpoint/2010/main" id="1" dur="indefinite" restart="never" nodeType="tmRoot"/>
-      </p:par>
-    </p:tnLst>
-  </p:timing>
 </p:sld>
 </file>
 
@@ -7624,10 +7484,9 @@
           <a:lstStyle/>
           <a:p>
             <a:r>
-              <a:rPr lang="en-US" dirty="0" smtClean="0"/>
+              <a:rPr lang="en-US" dirty="0"/>
               <a:t>Examples of creating Responses</a:t>
             </a:r>
-            <a:endParaRPr lang="en-US" dirty="0"/>
           </a:p>
         </p:txBody>
       </p:sp>
@@ -7652,7 +7511,7 @@
               <a:buNone/>
             </a:pPr>
             <a:r>
-              <a:rPr lang="en-US" i="1" dirty="0" smtClean="0"/>
+              <a:rPr lang="en-US" i="1" dirty="0"/>
               <a:t>200 OK:</a:t>
             </a:r>
           </a:p>
@@ -7681,125 +7540,18 @@
               </a:rPr>
               <a:t>().build();</a:t>
             </a:r>
-            <a:endParaRPr lang="en-US" dirty="0" smtClean="0">
-              <a:latin typeface="Courier"/>
-              <a:cs typeface="Courier"/>
-            </a:endParaRPr>
           </a:p>
           <a:p>
             <a:pPr marL="0" indent="0">
               <a:buNone/>
             </a:pPr>
             <a:r>
-              <a:rPr lang="en-US" i="1" dirty="0" smtClean="0"/>
+              <a:rPr lang="en-US" i="1" dirty="0"/>
               <a:t>201 Created</a:t>
             </a:r>
             <a:br>
-              <a:rPr lang="en-US" i="1" dirty="0" smtClean="0"/>
+              <a:rPr lang="en-US" i="1" dirty="0"/>
             </a:br>
-            <a:r>
-              <a:rPr lang="en-US" dirty="0" smtClean="0">
-                <a:latin typeface="Courier"/>
-                <a:cs typeface="Courier"/>
-              </a:rPr>
-              <a:t>return </a:t>
-            </a:r>
-            <a:r>
-              <a:rPr lang="en-US" dirty="0" err="1" smtClean="0">
-                <a:latin typeface="Courier"/>
-                <a:cs typeface="Courier"/>
-              </a:rPr>
-              <a:t>Response.created</a:t>
-            </a:r>
-            <a:r>
-              <a:rPr lang="en-US" dirty="0" smtClean="0">
-                <a:latin typeface="Courier"/>
-                <a:cs typeface="Courier"/>
-              </a:rPr>
-              <a:t>(</a:t>
-            </a:r>
-            <a:br>
-              <a:rPr lang="en-US" dirty="0" smtClean="0">
-                <a:latin typeface="Courier"/>
-                <a:cs typeface="Courier"/>
-              </a:rPr>
-            </a:br>
-            <a:r>
-              <a:rPr lang="en-US" dirty="0" smtClean="0">
-                <a:latin typeface="Courier"/>
-                <a:cs typeface="Courier"/>
-              </a:rPr>
-              <a:t> </a:t>
-            </a:r>
-            <a:r>
-              <a:rPr lang="en-US" dirty="0" err="1" smtClean="0">
-                <a:latin typeface="Courier"/>
-                <a:cs typeface="Courier"/>
-              </a:rPr>
-              <a:t>URI.create</a:t>
-            </a:r>
-            <a:r>
-              <a:rPr lang="en-US" dirty="0" smtClean="0">
-                <a:latin typeface="Courier"/>
-                <a:cs typeface="Courier"/>
-              </a:rPr>
-              <a:t/>
-            </a:r>
-            <a:br>
-              <a:rPr lang="en-US" dirty="0" smtClean="0">
-                <a:latin typeface="Courier"/>
-                <a:cs typeface="Courier"/>
-              </a:rPr>
-            </a:br>
-            <a:r>
-              <a:rPr lang="en-US" dirty="0" smtClean="0">
-                <a:latin typeface="Courier"/>
-                <a:cs typeface="Courier"/>
-              </a:rPr>
-              <a:t> (</a:t>
-            </a:r>
-            <a:r>
-              <a:rPr lang="en-US" dirty="0">
-                <a:latin typeface="Courier"/>
-                <a:cs typeface="Courier"/>
-              </a:rPr>
-              <a:t>"orders/" + </a:t>
-            </a:r>
-            <a:r>
-              <a:rPr lang="en-US" dirty="0" err="1" smtClean="0">
-                <a:latin typeface="Courier"/>
-                <a:cs typeface="Courier"/>
-              </a:rPr>
-              <a:t>uuid</a:t>
-            </a:r>
-            <a:r>
-              <a:rPr lang="en-US" dirty="0" smtClean="0">
-                <a:latin typeface="Courier"/>
-                <a:cs typeface="Courier"/>
-              </a:rPr>
-              <a:t>)).</a:t>
-            </a:r>
-            <a:r>
-              <a:rPr lang="en-US" dirty="0">
-                <a:latin typeface="Courier"/>
-                <a:cs typeface="Courier"/>
-              </a:rPr>
-              <a:t>build();</a:t>
-            </a:r>
-          </a:p>
-          <a:p>
-            <a:pPr marL="0" indent="0">
-              <a:buNone/>
-            </a:pPr>
-            <a:r>
-              <a:rPr lang="en-US" i="1" dirty="0" smtClean="0"/>
-              <a:t>404 Not Found</a:t>
-            </a:r>
-          </a:p>
-          <a:p>
-            <a:pPr marL="0" indent="0">
-              <a:buNone/>
-            </a:pPr>
             <a:r>
               <a:rPr lang="en-US" dirty="0">
                 <a:latin typeface="Courier"/>
@@ -7812,7 +7564,7 @@
                 <a:latin typeface="Courier"/>
                 <a:cs typeface="Courier"/>
               </a:rPr>
-              <a:t>Response.status</a:t>
+              <a:t>Response.created</a:t>
             </a:r>
             <a:r>
               <a:rPr lang="en-US" dirty="0">
@@ -7820,12 +7572,94 @@
                 <a:cs typeface="Courier"/>
               </a:rPr>
               <a:t>(</a:t>
+            </a:r>
+            <a:br>
+              <a:rPr lang="en-US" dirty="0">
+                <a:latin typeface="Courier"/>
+                <a:cs typeface="Courier"/>
+              </a:rPr>
+            </a:br>
+            <a:r>
+              <a:rPr lang="en-US" dirty="0">
+                <a:latin typeface="Courier"/>
+                <a:cs typeface="Courier"/>
+              </a:rPr>
+              <a:t> </a:t>
             </a:r>
             <a:r>
               <a:rPr lang="en-US" dirty="0" err="1">
                 <a:latin typeface="Courier"/>
                 <a:cs typeface="Courier"/>
               </a:rPr>
+              <a:t>URI.create</a:t>
+            </a:r>
+            <a:br>
+              <a:rPr lang="en-US" dirty="0">
+                <a:latin typeface="Courier"/>
+                <a:cs typeface="Courier"/>
+              </a:rPr>
+            </a:br>
+            <a:r>
+              <a:rPr lang="en-US" dirty="0">
+                <a:latin typeface="Courier"/>
+                <a:cs typeface="Courier"/>
+              </a:rPr>
+              <a:t> ("orders/" + </a:t>
+            </a:r>
+            <a:r>
+              <a:rPr lang="en-US" dirty="0" err="1">
+                <a:latin typeface="Courier"/>
+                <a:cs typeface="Courier"/>
+              </a:rPr>
+              <a:t>uuid</a:t>
+            </a:r>
+            <a:r>
+              <a:rPr lang="en-US" dirty="0">
+                <a:latin typeface="Courier"/>
+                <a:cs typeface="Courier"/>
+              </a:rPr>
+              <a:t>)).build();</a:t>
+            </a:r>
+          </a:p>
+          <a:p>
+            <a:pPr marL="0" indent="0">
+              <a:buNone/>
+            </a:pPr>
+            <a:r>
+              <a:rPr lang="en-US" i="1" dirty="0"/>
+              <a:t>404 Not Found</a:t>
+            </a:r>
+          </a:p>
+          <a:p>
+            <a:pPr marL="0" indent="0">
+              <a:buNone/>
+            </a:pPr>
+            <a:r>
+              <a:rPr lang="en-US" dirty="0">
+                <a:latin typeface="Courier"/>
+                <a:cs typeface="Courier"/>
+              </a:rPr>
+              <a:t>return </a:t>
+            </a:r>
+            <a:r>
+              <a:rPr lang="en-US" dirty="0" err="1">
+                <a:latin typeface="Courier"/>
+                <a:cs typeface="Courier"/>
+              </a:rPr>
+              <a:t>Response.status</a:t>
+            </a:r>
+            <a:r>
+              <a:rPr lang="en-US" dirty="0">
+                <a:latin typeface="Courier"/>
+                <a:cs typeface="Courier"/>
+              </a:rPr>
+              <a:t>(</a:t>
+            </a:r>
+            <a:r>
+              <a:rPr lang="en-US" dirty="0" err="1">
+                <a:latin typeface="Courier"/>
+                <a:cs typeface="Courier"/>
+              </a:rPr>
               <a:t>Status.NOT_FOUND</a:t>
             </a:r>
             <a:r>
@@ -7833,23 +7667,16 @@
                 <a:latin typeface="Courier"/>
                 <a:cs typeface="Courier"/>
               </a:rPr>
-              <a:t>)</a:t>
-            </a:r>
-            <a:r>
-              <a:rPr lang="en-US" smtClean="0">
+              <a:t>).</a:t>
+            </a:r>
+            <a:br>
+              <a:rPr lang="en-US">
                 <a:latin typeface="Courier"/>
                 <a:cs typeface="Courier"/>
               </a:rPr>
-              <a:t>.</a:t>
-            </a:r>
-            <a:br>
-              <a:rPr lang="en-US" smtClean="0">
-                <a:latin typeface="Courier"/>
-                <a:cs typeface="Courier"/>
-              </a:rPr>
             </a:br>
             <a:r>
-              <a:rPr lang="en-US" smtClean="0">
+              <a:rPr lang="en-US">
                 <a:latin typeface="Courier"/>
                 <a:cs typeface="Courier"/>
               </a:rPr>
@@ -7875,13 +7702,6 @@
   <p:clrMapOvr>
     <a:masterClrMapping/>
   </p:clrMapOvr>
-  <p:timing>
-    <p:tnLst>
-      <p:par>
-        <p:cTn xmlns:p14="http://schemas.microsoft.com/office/powerpoint/2010/main" id="1" dur="indefinite" restart="never" nodeType="tmRoot"/>
-      </p:par>
-    </p:tnLst>
-  </p:timing>
 </p:sld>
 </file>
 
@@ -7918,10 +7738,9 @@
           <a:lstStyle/>
           <a:p>
             <a:r>
-              <a:rPr lang="en-US" dirty="0" smtClean="0"/>
+              <a:rPr lang="en-US" dirty="0"/>
               <a:t>Clients</a:t>
             </a:r>
-            <a:endParaRPr lang="en-US" dirty="0"/>
           </a:p>
         </p:txBody>
       </p:sp>
@@ -7990,10 +7809,9 @@
           <a:lstStyle/>
           <a:p>
             <a:r>
-              <a:rPr lang="en-US" dirty="0" smtClean="0"/>
+              <a:rPr lang="en-US" dirty="0"/>
               <a:t>First try it out</a:t>
             </a:r>
-            <a:endParaRPr lang="en-US" dirty="0"/>
           </a:p>
         </p:txBody>
       </p:sp>
@@ -8013,19 +7831,19 @@
           <a:lstStyle/>
           <a:p>
             <a:r>
-              <a:rPr lang="en-US" dirty="0" smtClean="0"/>
+              <a:rPr lang="en-US" dirty="0"/>
               <a:t>Chrome Advanced REST Client is a good start</a:t>
             </a:r>
           </a:p>
           <a:p>
             <a:r>
-              <a:rPr lang="en-US" dirty="0" smtClean="0"/>
+              <a:rPr lang="en-US" dirty="0"/>
               <a:t>SOAPUI also provides test capabilities</a:t>
             </a:r>
           </a:p>
           <a:p>
             <a:r>
-              <a:rPr lang="en-US" dirty="0" smtClean="0"/>
+              <a:rPr lang="en-US" dirty="0"/>
               <a:t>curl should be your friend too!</a:t>
             </a:r>
           </a:p>
@@ -8137,10 +7955,9 @@
           <a:lstStyle/>
           <a:p>
             <a:r>
-              <a:rPr lang="en-US" dirty="0" smtClean="0"/>
+              <a:rPr lang="en-US" dirty="0"/>
               <a:t>curl</a:t>
             </a:r>
-            <a:endParaRPr lang="en-US" dirty="0"/>
           </a:p>
         </p:txBody>
       </p:sp>
@@ -8522,10 +8339,9 @@
           <a:lstStyle/>
           <a:p>
             <a:r>
-              <a:rPr lang="en-US" dirty="0" smtClean="0"/>
+              <a:rPr lang="en-US" dirty="0"/>
               <a:t>JAXRS 2.0 Client API</a:t>
             </a:r>
-            <a:endParaRPr lang="en-US" dirty="0"/>
           </a:p>
         </p:txBody>
       </p:sp>
@@ -8547,36 +8363,35 @@
           <a:lstStyle/>
           <a:p>
             <a:r>
-              <a:rPr lang="en-US" dirty="0" smtClean="0"/>
+              <a:rPr lang="en-US" dirty="0"/>
               <a:t>Similar to CXF client</a:t>
             </a:r>
           </a:p>
           <a:p>
             <a:r>
-              <a:rPr lang="en-US" dirty="0" smtClean="0"/>
+              <a:rPr lang="en-US" dirty="0"/>
               <a:t>Aiming to be much higher level than standard HTTP clients</a:t>
             </a:r>
           </a:p>
           <a:p>
             <a:r>
-              <a:rPr lang="en-US" dirty="0" smtClean="0"/>
+              <a:rPr lang="en-US" dirty="0"/>
               <a:t>Not a bad idea, but don’t give up on “loose coupling”</a:t>
             </a:r>
           </a:p>
           <a:p>
             <a:pPr lvl="1"/>
             <a:r>
-              <a:rPr lang="en-US" dirty="0" smtClean="0"/>
+              <a:rPr lang="en-US" dirty="0"/>
               <a:t>The client and the service are independent </a:t>
             </a:r>
           </a:p>
           <a:p>
             <a:pPr lvl="1"/>
             <a:r>
-              <a:rPr lang="en-US" dirty="0" smtClean="0"/>
+              <a:rPr lang="en-US" dirty="0"/>
               <a:t>Technology choice of one shouldn’t influence the technology choice of the other</a:t>
             </a:r>
-            <a:endParaRPr lang="en-US" dirty="0"/>
           </a:p>
         </p:txBody>
       </p:sp>
@@ -8626,10 +8441,9 @@
           <a:lstStyle/>
           <a:p>
             <a:r>
-              <a:rPr lang="en-US" dirty="0" smtClean="0"/>
+              <a:rPr lang="en-US" dirty="0"/>
               <a:t>Example JAX-RS Client Code</a:t>
             </a:r>
-            <a:endParaRPr lang="en-US" dirty="0"/>
           </a:p>
         </p:txBody>
       </p:sp>
@@ -8946,18 +8760,17 @@
           <a:lstStyle/>
           <a:p>
             <a:r>
-              <a:rPr lang="en-US" dirty="0" smtClean="0"/>
+              <a:rPr lang="en-US" dirty="0"/>
               <a:t>Example </a:t>
             </a:r>
             <a:r>
-              <a:rPr lang="en-US" dirty="0" err="1" smtClean="0"/>
+              <a:rPr lang="en-US" dirty="0" err="1"/>
               <a:t>HTTPClient</a:t>
             </a:r>
             <a:r>
-              <a:rPr lang="en-US" dirty="0" smtClean="0"/>
+              <a:rPr lang="en-US" dirty="0"/>
               <a:t> code</a:t>
             </a:r>
-            <a:endParaRPr lang="en-US" dirty="0"/>
           </a:p>
         </p:txBody>
       </p:sp>
@@ -9294,17 +9107,10 @@
                 <a:latin typeface="Lucida Console"/>
                 <a:cs typeface="Lucida Console"/>
               </a:rPr>
-              <a:t>(new </a:t>
-            </a:r>
-            <a:r>
-              <a:rPr lang="en-US" sz="1400" dirty="0" smtClean="0">
-                <a:latin typeface="Lucida Console"/>
-                <a:cs typeface="Lucida Console"/>
-              </a:rPr>
-              <a:t>			</a:t>
-            </a:r>
-            <a:r>
-              <a:rPr lang="en-US" sz="1400" dirty="0" err="1" smtClean="0">
+              <a:t>(new 			</a:t>
+            </a:r>
+            <a:r>
+              <a:rPr lang="en-US" sz="1400" dirty="0" err="1">
                 <a:latin typeface="Lucida Console"/>
                 <a:cs typeface="Lucida Console"/>
               </a:rPr>
@@ -9494,10 +9300,9 @@
           <a:lstStyle/>
           <a:p>
             <a:r>
-              <a:rPr lang="en-US" dirty="0" smtClean="0"/>
+              <a:rPr lang="en-US" dirty="0"/>
               <a:t>A good answer if you already know</a:t>
             </a:r>
-            <a:endParaRPr lang="en-US" dirty="0"/>
           </a:p>
         </p:txBody>
       </p:sp>
@@ -9517,22 +9322,22 @@
           <a:lstStyle/>
           <a:p>
             <a:r>
-              <a:rPr lang="en-US" dirty="0" smtClean="0"/>
+              <a:rPr lang="en-US" dirty="0"/>
               <a:t>HTTP coding</a:t>
             </a:r>
           </a:p>
           <a:p>
             <a:r>
-              <a:rPr lang="en-US" dirty="0" smtClean="0"/>
+              <a:rPr lang="en-US" dirty="0"/>
               <a:t>JSON</a:t>
             </a:r>
           </a:p>
           <a:p>
             <a:r>
-              <a:rPr lang="en-US" dirty="0" err="1" smtClean="0"/>
+              <a:rPr lang="en-US" dirty="0" err="1"/>
               <a:t>etc</a:t>
             </a:r>
-            <a:endParaRPr lang="en-US" dirty="0" smtClean="0"/>
+            <a:endParaRPr lang="en-US" dirty="0"/>
           </a:p>
           <a:p>
             <a:endParaRPr lang="en-US" dirty="0"/>
@@ -9549,13 +9354,6 @@
   <p:clrMapOvr>
     <a:masterClrMapping/>
   </p:clrMapOvr>
-  <p:timing>
-    <p:tnLst>
-      <p:par>
-        <p:cTn xmlns:p14="http://schemas.microsoft.com/office/powerpoint/2010/main" id="1" dur="indefinite" restart="never" nodeType="tmRoot"/>
-      </p:par>
-    </p:tnLst>
-  </p:timing>
 </p:sld>
 </file>
 
@@ -9592,10 +9390,9 @@
           <a:lstStyle/>
           <a:p>
             <a:r>
-              <a:rPr lang="en-US" dirty="0" smtClean="0"/>
+              <a:rPr lang="en-US" dirty="0"/>
               <a:t>Example Python Code</a:t>
             </a:r>
-            <a:endParaRPr lang="en-US" dirty="0"/>
           </a:p>
         </p:txBody>
       </p:sp>
@@ -9624,14 +9421,7 @@
                 <a:latin typeface="Lucida Console"/>
                 <a:cs typeface="Lucida Console"/>
               </a:rPr>
-              <a:t>h = httplib2.Http()</a:t>
-            </a:r>
-            <a:r>
-              <a:rPr lang="en-US" dirty="0" smtClean="0">
-                <a:latin typeface="Lucida Console"/>
-                <a:cs typeface="Lucida Console"/>
-              </a:rPr>
-              <a:t>;</a:t>
+              <a:t>h = httplib2.Http();</a:t>
             </a:r>
           </a:p>
           <a:p>
@@ -9639,14 +9429,14 @@
               <a:buNone/>
             </a:pPr>
             <a:r>
-              <a:rPr lang="en-US" dirty="0" smtClean="0">
+              <a:rPr lang="en-US" dirty="0">
                 <a:latin typeface="Lucida Console"/>
                 <a:cs typeface="Lucida Console"/>
               </a:rPr>
               <a:t>       </a:t>
             </a:r>
             <a:r>
-              <a:rPr lang="en-US" dirty="0" err="1" smtClean="0">
+              <a:rPr lang="en-US" dirty="0" err="1">
                 <a:latin typeface="Lucida Console"/>
                 <a:cs typeface="Lucida Console"/>
               </a:rPr>
@@ -9716,18 +9506,11 @@
               <a:buNone/>
             </a:pPr>
             <a:r>
-              <a:rPr lang="en-US" dirty="0" smtClean="0">
-                <a:latin typeface="Lucida Console"/>
-                <a:cs typeface="Lucida Console"/>
-              </a:rPr>
-              <a:t>try</a:t>
-            </a:r>
-            <a:r>
-              <a:rPr lang="en-US" dirty="0">
-                <a:latin typeface="Lucida Console"/>
-                <a:cs typeface="Lucida Console"/>
-              </a:rPr>
-              <a:t>:</a:t>
+              <a:rPr lang="en-US" dirty="0">
+                <a:latin typeface="Lucida Console"/>
+                <a:cs typeface="Lucida Console"/>
+              </a:rPr>
+              <a:t>try:</a:t>
             </a:r>
           </a:p>
           <a:p>
@@ -9975,10 +9758,9 @@
           <a:lstStyle/>
           <a:p>
             <a:r>
-              <a:rPr lang="en-US" dirty="0" smtClean="0"/>
+              <a:rPr lang="en-US" dirty="0"/>
               <a:t>Example Node code</a:t>
             </a:r>
-            <a:endParaRPr lang="en-US" dirty="0"/>
           </a:p>
         </p:txBody>
       </p:sp>
@@ -10094,15 +9876,172 @@
                 <a:latin typeface="Lucida Sans Typewriter"/>
                 <a:cs typeface="Lucida Sans Typewriter"/>
               </a:rPr>
-              <a:t> body = </a:t>
-            </a:r>
-            <a:r>
-              <a:rPr lang="en-US" sz="1200" b="1" dirty="0" smtClean="0">
+              <a:t> body = "”</a:t>
+            </a:r>
+          </a:p>
+          <a:p>
+            <a:pPr marL="0" indent="0">
+              <a:buNone/>
+            </a:pPr>
+            <a:r>
+              <a:rPr lang="en-US" sz="1200" b="1">
                 <a:latin typeface="Lucida Sans Typewriter"/>
                 <a:cs typeface="Lucida Sans Typewriter"/>
               </a:rPr>
-              <a:t>"”</a:t>
-            </a:r>
+              <a:t>	   r.on</a:t>
+            </a:r>
+            <a:r>
+              <a:rPr lang="en-US" sz="1200" b="1" dirty="0">
+                <a:latin typeface="Lucida Sans Typewriter"/>
+                <a:cs typeface="Lucida Sans Typewriter"/>
+              </a:rPr>
+              <a:t>('data', function (chunk) {</a:t>
+            </a:r>
+          </a:p>
+          <a:p>
+            <a:pPr marL="0" indent="0">
+              <a:buNone/>
+            </a:pPr>
+            <a:r>
+              <a:rPr lang="en-US" sz="1200" b="1" dirty="0">
+                <a:latin typeface="Lucida Sans Typewriter"/>
+                <a:cs typeface="Lucida Sans Typewriter"/>
+              </a:rPr>
+              <a:t>            body += chunk;</a:t>
+            </a:r>
+          </a:p>
+          <a:p>
+            <a:pPr marL="0" indent="0">
+              <a:buNone/>
+            </a:pPr>
+            <a:r>
+              <a:rPr lang="en-US" sz="1200" b="1" dirty="0">
+                <a:latin typeface="Lucida Sans Typewriter"/>
+                <a:cs typeface="Lucida Sans Typewriter"/>
+              </a:rPr>
+              <a:t>        });</a:t>
+            </a:r>
+          </a:p>
+          <a:p>
+            <a:pPr marL="0" indent="0">
+              <a:buNone/>
+            </a:pPr>
+            <a:r>
+              <a:rPr lang="en-US" sz="1200" b="1" dirty="0">
+                <a:latin typeface="Lucida Sans Typewriter"/>
+                <a:cs typeface="Lucida Sans Typewriter"/>
+              </a:rPr>
+              <a:t>        </a:t>
+            </a:r>
+            <a:r>
+              <a:rPr lang="en-US" sz="1200" b="1" dirty="0" err="1">
+                <a:latin typeface="Lucida Sans Typewriter"/>
+                <a:cs typeface="Lucida Sans Typewriter"/>
+              </a:rPr>
+              <a:t>r.on</a:t>
+            </a:r>
+            <a:r>
+              <a:rPr lang="en-US" sz="1200" b="1" dirty="0">
+                <a:latin typeface="Lucida Sans Typewriter"/>
+                <a:cs typeface="Lucida Sans Typewriter"/>
+              </a:rPr>
+              <a:t>('end', function() {</a:t>
+            </a:r>
+          </a:p>
+          <a:p>
+            <a:pPr marL="0" indent="0">
+              <a:buNone/>
+            </a:pPr>
+            <a:r>
+              <a:rPr lang="en-US" sz="1200" b="1" dirty="0">
+                <a:latin typeface="Lucida Sans Typewriter"/>
+                <a:cs typeface="Lucida Sans Typewriter"/>
+              </a:rPr>
+              <a:t>          try {</a:t>
+            </a:r>
+          </a:p>
+          <a:p>
+            <a:pPr marL="0" indent="0">
+              <a:buNone/>
+            </a:pPr>
+            <a:r>
+              <a:rPr lang="en-US" sz="1200" b="1" dirty="0">
+                <a:latin typeface="Lucida Sans Typewriter"/>
+                <a:cs typeface="Lucida Sans Typewriter"/>
+              </a:rPr>
+              <a:t>            </a:t>
+            </a:r>
+            <a:r>
+              <a:rPr lang="en-US" sz="1200" b="1" dirty="0" err="1">
+                <a:latin typeface="Lucida Sans Typewriter"/>
+                <a:cs typeface="Lucida Sans Typewriter"/>
+              </a:rPr>
+              <a:t>console.log</a:t>
+            </a:r>
+            <a:r>
+              <a:rPr lang="en-US" sz="1200" b="1" dirty="0">
+                <a:latin typeface="Lucida Sans Typewriter"/>
+                <a:cs typeface="Lucida Sans Typewriter"/>
+              </a:rPr>
+              <a:t>(body);</a:t>
+            </a:r>
+          </a:p>
+          <a:p>
+            <a:pPr marL="0" indent="0">
+              <a:buNone/>
+            </a:pPr>
+            <a:r>
+              <a:rPr lang="en-US" sz="1200" b="1" dirty="0">
+                <a:latin typeface="Lucida Sans Typewriter"/>
+                <a:cs typeface="Lucida Sans Typewriter"/>
+              </a:rPr>
+              <a:t>            </a:t>
+            </a:r>
+            <a:r>
+              <a:rPr lang="en-US" sz="1200" b="1" dirty="0" err="1">
+                <a:latin typeface="Lucida Sans Typewriter"/>
+                <a:cs typeface="Lucida Sans Typewriter"/>
+              </a:rPr>
+              <a:t>var</a:t>
+            </a:r>
+            <a:r>
+              <a:rPr lang="en-US" sz="1200" b="1" dirty="0">
+                <a:latin typeface="Lucida Sans Typewriter"/>
+                <a:cs typeface="Lucida Sans Typewriter"/>
+              </a:rPr>
+              <a:t> response = </a:t>
+            </a:r>
+            <a:r>
+              <a:rPr lang="en-US" sz="1200" b="1" dirty="0" err="1">
+                <a:latin typeface="Lucida Sans Typewriter"/>
+                <a:cs typeface="Lucida Sans Typewriter"/>
+              </a:rPr>
+              <a:t>JSON.parse</a:t>
+            </a:r>
+            <a:r>
+              <a:rPr lang="en-US" sz="1200" b="1" dirty="0">
+                <a:latin typeface="Lucida Sans Typewriter"/>
+                <a:cs typeface="Lucida Sans Typewriter"/>
+              </a:rPr>
+              <a:t>(body);</a:t>
+            </a:r>
+          </a:p>
+          <a:p>
+            <a:pPr marL="0" indent="0">
+              <a:buNone/>
+            </a:pPr>
+            <a:r>
+              <a:rPr lang="en-US" sz="1200" b="1" dirty="0">
+                <a:latin typeface="Lucida Sans Typewriter"/>
+                <a:cs typeface="Lucida Sans Typewriter"/>
+              </a:rPr>
+              <a:t>          } catch (e) {}</a:t>
+            </a:r>
+          </a:p>
+          <a:p>
+            <a:pPr marL="0" indent="0">
+              <a:buNone/>
+            </a:pPr>
             <a:endParaRPr lang="en-US" sz="1200" b="1" dirty="0">
               <a:latin typeface="Lucida Sans Typewriter"/>
               <a:cs typeface="Lucida Sans Typewriter"/>
@@ -10113,18 +10052,11 @@
               <a:buNone/>
             </a:pPr>
             <a:r>
-              <a:rPr lang="en-US" sz="1200" b="1" smtClean="0">
-                <a:latin typeface="Lucida Sans Typewriter"/>
-                <a:cs typeface="Lucida Sans Typewriter"/>
-              </a:rPr>
-              <a:t>	   r.on</a:t>
-            </a:r>
-            <a:r>
               <a:rPr lang="en-US" sz="1200" b="1" dirty="0">
                 <a:latin typeface="Lucida Sans Typewriter"/>
                 <a:cs typeface="Lucida Sans Typewriter"/>
               </a:rPr>
-              <a:t>('data', function (chunk) {</a:t>
+              <a:t>          if (response) {</a:t>
             </a:r>
           </a:p>
           <a:p>
@@ -10136,7 +10068,7 @@
                 <a:latin typeface="Lucida Sans Typewriter"/>
                 <a:cs typeface="Lucida Sans Typewriter"/>
               </a:rPr>
-              <a:t>            body += chunk;</a:t>
+              <a:t>            callback(response);</a:t>
             </a:r>
           </a:p>
           <a:p>
@@ -10148,7 +10080,7 @@
                 <a:latin typeface="Lucida Sans Typewriter"/>
                 <a:cs typeface="Lucida Sans Typewriter"/>
               </a:rPr>
-              <a:t>        });</a:t>
+              <a:t>          }</a:t>
             </a:r>
           </a:p>
           <a:p>
@@ -10160,21 +10092,19 @@
                 <a:latin typeface="Lucida Sans Typewriter"/>
                 <a:cs typeface="Lucida Sans Typewriter"/>
               </a:rPr>
-              <a:t>        </a:t>
-            </a:r>
-            <a:r>
-              <a:rPr lang="en-US" sz="1200" b="1" dirty="0" err="1">
-                <a:latin typeface="Lucida Sans Typewriter"/>
-                <a:cs typeface="Lucida Sans Typewriter"/>
-              </a:rPr>
-              <a:t>r.on</a:t>
-            </a:r>
+              <a:t>          else</a:t>
+            </a:r>
+          </a:p>
+          <a:p>
+            <a:pPr marL="0" indent="0">
+              <a:buNone/>
+            </a:pPr>
             <a:r>
               <a:rPr lang="en-US" sz="1200" b="1" dirty="0">
                 <a:latin typeface="Lucida Sans Typewriter"/>
                 <a:cs typeface="Lucida Sans Typewriter"/>
               </a:rPr>
-              <a:t>('end', function() {</a:t>
+              <a:t>          {</a:t>
             </a:r>
           </a:p>
           <a:p>
@@ -10186,7 +10116,7 @@
                 <a:latin typeface="Lucida Sans Typewriter"/>
                 <a:cs typeface="Lucida Sans Typewriter"/>
               </a:rPr>
-              <a:t>          try {</a:t>
+              <a:t>            callback(null);</a:t>
             </a:r>
           </a:p>
           <a:p>
@@ -10198,190 +10128,20 @@
                 <a:latin typeface="Lucida Sans Typewriter"/>
                 <a:cs typeface="Lucida Sans Typewriter"/>
               </a:rPr>
-              <a:t>            </a:t>
-            </a:r>
-            <a:r>
-              <a:rPr lang="en-US" sz="1200" b="1" dirty="0" err="1">
-                <a:latin typeface="Lucida Sans Typewriter"/>
-                <a:cs typeface="Lucida Sans Typewriter"/>
-              </a:rPr>
-              <a:t>console.log</a:t>
-            </a:r>
+              <a:t>          }</a:t>
+            </a:r>
+          </a:p>
+          <a:p>
+            <a:pPr marL="0" indent="0">
+              <a:buNone/>
+            </a:pPr>
             <a:r>
               <a:rPr lang="en-US" sz="1200" b="1" dirty="0">
                 <a:latin typeface="Lucida Sans Typewriter"/>
                 <a:cs typeface="Lucida Sans Typewriter"/>
               </a:rPr>
-              <a:t>(body);</a:t>
-            </a:r>
-          </a:p>
-          <a:p>
-            <a:pPr marL="0" indent="0">
-              <a:buNone/>
-            </a:pPr>
-            <a:r>
-              <a:rPr lang="en-US" sz="1200" b="1" dirty="0">
-                <a:latin typeface="Lucida Sans Typewriter"/>
-                <a:cs typeface="Lucida Sans Typewriter"/>
-              </a:rPr>
-              <a:t>            </a:t>
-            </a:r>
-            <a:r>
-              <a:rPr lang="en-US" sz="1200" b="1" dirty="0" err="1">
-                <a:latin typeface="Lucida Sans Typewriter"/>
-                <a:cs typeface="Lucida Sans Typewriter"/>
-              </a:rPr>
-              <a:t>var</a:t>
-            </a:r>
-            <a:r>
-              <a:rPr lang="en-US" sz="1200" b="1" dirty="0">
-                <a:latin typeface="Lucida Sans Typewriter"/>
-                <a:cs typeface="Lucida Sans Typewriter"/>
-              </a:rPr>
-              <a:t> response = </a:t>
-            </a:r>
-            <a:r>
-              <a:rPr lang="en-US" sz="1200" b="1" dirty="0" err="1">
-                <a:latin typeface="Lucida Sans Typewriter"/>
-                <a:cs typeface="Lucida Sans Typewriter"/>
-              </a:rPr>
-              <a:t>JSON.parse</a:t>
-            </a:r>
-            <a:r>
-              <a:rPr lang="en-US" sz="1200" b="1" dirty="0">
-                <a:latin typeface="Lucida Sans Typewriter"/>
-                <a:cs typeface="Lucida Sans Typewriter"/>
-              </a:rPr>
-              <a:t>(body);</a:t>
-            </a:r>
-          </a:p>
-          <a:p>
-            <a:pPr marL="0" indent="0">
-              <a:buNone/>
-            </a:pPr>
-            <a:r>
-              <a:rPr lang="en-US" sz="1200" b="1" dirty="0">
-                <a:latin typeface="Lucida Sans Typewriter"/>
-                <a:cs typeface="Lucida Sans Typewriter"/>
-              </a:rPr>
-              <a:t>          } catch (e) {}</a:t>
-            </a:r>
-          </a:p>
-          <a:p>
-            <a:pPr marL="0" indent="0">
-              <a:buNone/>
-            </a:pPr>
-            <a:endParaRPr lang="en-US" sz="1200" b="1" dirty="0">
-              <a:latin typeface="Lucida Sans Typewriter"/>
-              <a:cs typeface="Lucida Sans Typewriter"/>
-            </a:endParaRPr>
-          </a:p>
-          <a:p>
-            <a:pPr marL="0" indent="0">
-              <a:buNone/>
-            </a:pPr>
-            <a:r>
-              <a:rPr lang="en-US" sz="1200" b="1" dirty="0">
-                <a:latin typeface="Lucida Sans Typewriter"/>
-                <a:cs typeface="Lucida Sans Typewriter"/>
-              </a:rPr>
-              <a:t>          if (response) {</a:t>
-            </a:r>
-          </a:p>
-          <a:p>
-            <a:pPr marL="0" indent="0">
-              <a:buNone/>
-            </a:pPr>
-            <a:r>
-              <a:rPr lang="en-US" sz="1200" b="1" dirty="0">
-                <a:latin typeface="Lucida Sans Typewriter"/>
-                <a:cs typeface="Lucida Sans Typewriter"/>
-              </a:rPr>
-              <a:t>            callback(response);</a:t>
-            </a:r>
-          </a:p>
-          <a:p>
-            <a:pPr marL="0" indent="0">
-              <a:buNone/>
-            </a:pPr>
-            <a:r>
-              <a:rPr lang="en-US" sz="1200" b="1" dirty="0">
-                <a:latin typeface="Lucida Sans Typewriter"/>
-                <a:cs typeface="Lucida Sans Typewriter"/>
-              </a:rPr>
-              <a:t>          }</a:t>
-            </a:r>
-          </a:p>
-          <a:p>
-            <a:pPr marL="0" indent="0">
-              <a:buNone/>
-            </a:pPr>
-            <a:r>
-              <a:rPr lang="en-US" sz="1200" b="1" dirty="0">
-                <a:latin typeface="Lucida Sans Typewriter"/>
-                <a:cs typeface="Lucida Sans Typewriter"/>
-              </a:rPr>
-              <a:t>          else</a:t>
-            </a:r>
-          </a:p>
-          <a:p>
-            <a:pPr marL="0" indent="0">
-              <a:buNone/>
-            </a:pPr>
-            <a:r>
-              <a:rPr lang="en-US" sz="1200" b="1" dirty="0">
-                <a:latin typeface="Lucida Sans Typewriter"/>
-                <a:cs typeface="Lucida Sans Typewriter"/>
-              </a:rPr>
-              <a:t>          {</a:t>
-            </a:r>
-          </a:p>
-          <a:p>
-            <a:pPr marL="0" indent="0">
-              <a:buNone/>
-            </a:pPr>
-            <a:r>
-              <a:rPr lang="en-US" sz="1200" b="1" dirty="0">
-                <a:latin typeface="Lucida Sans Typewriter"/>
-                <a:cs typeface="Lucida Sans Typewriter"/>
-              </a:rPr>
-              <a:t>            callback(null);</a:t>
-            </a:r>
-          </a:p>
-          <a:p>
-            <a:pPr marL="0" indent="0">
-              <a:buNone/>
-            </a:pPr>
-            <a:r>
-              <a:rPr lang="en-US" sz="1200" b="1" dirty="0">
-                <a:latin typeface="Lucida Sans Typewriter"/>
-                <a:cs typeface="Lucida Sans Typewriter"/>
-              </a:rPr>
-              <a:t>          }</a:t>
-            </a:r>
-          </a:p>
-          <a:p>
-            <a:pPr marL="0" indent="0">
-              <a:buNone/>
-            </a:pPr>
-            <a:r>
-              <a:rPr lang="en-US" sz="1200" b="1" dirty="0">
-                <a:latin typeface="Lucida Sans Typewriter"/>
-                <a:cs typeface="Lucida Sans Typewriter"/>
-              </a:rPr>
-              <a:t>        })</a:t>
-            </a:r>
-            <a:r>
-              <a:rPr lang="en-US" sz="1200" b="1" dirty="0" smtClean="0">
-                <a:latin typeface="Lucida Sans Typewriter"/>
-                <a:cs typeface="Lucida Sans Typewriter"/>
-              </a:rPr>
-              <a:t>;</a:t>
-            </a:r>
-            <a:endParaRPr lang="en-US" sz="1200" b="1" dirty="0">
-              <a:latin typeface="Lucida Sans Typewriter"/>
-              <a:cs typeface="Lucida Sans Typewriter"/>
-            </a:endParaRPr>
+              <a:t>        });</a:t>
+            </a:r>
           </a:p>
           <a:p>
             <a:pPr marL="0" indent="0">
@@ -10443,10 +10203,9 @@
           <a:lstStyle/>
           <a:p>
             <a:r>
-              <a:rPr lang="en-US" dirty="0" smtClean="0"/>
+              <a:rPr lang="en-US" dirty="0"/>
               <a:t>Questions?</a:t>
             </a:r>
-            <a:endParaRPr lang="en-US" dirty="0"/>
           </a:p>
         </p:txBody>
       </p:sp>
@@ -10496,10 +10255,9 @@
           <a:lstStyle/>
           <a:p>
             <a:r>
-              <a:rPr lang="en-US" dirty="0" smtClean="0"/>
+              <a:rPr lang="en-US" dirty="0"/>
               <a:t>Why use a framework?</a:t>
             </a:r>
-            <a:endParaRPr lang="en-US" dirty="0"/>
           </a:p>
         </p:txBody>
       </p:sp>
@@ -10519,46 +10277,45 @@
           <a:lstStyle/>
           <a:p>
             <a:r>
-              <a:rPr lang="en-US" dirty="0" smtClean="0"/>
+              <a:rPr lang="en-US" dirty="0"/>
               <a:t>Routing</a:t>
             </a:r>
           </a:p>
           <a:p>
             <a:pPr lvl="1"/>
             <a:r>
-              <a:rPr lang="en-US" dirty="0" smtClean="0"/>
+              <a:rPr lang="en-US" dirty="0"/>
               <a:t>Separate logic for different verbs, paths, content-types</a:t>
             </a:r>
           </a:p>
           <a:p>
             <a:r>
-              <a:rPr lang="en-US" dirty="0" err="1" smtClean="0"/>
+              <a:rPr lang="en-US" dirty="0" err="1"/>
               <a:t>Cacheing</a:t>
             </a:r>
             <a:r>
-              <a:rPr lang="en-US" dirty="0" smtClean="0"/>
+              <a:rPr lang="en-US" dirty="0"/>
               <a:t> and content negotiation</a:t>
             </a:r>
           </a:p>
           <a:p>
             <a:r>
-              <a:rPr lang="en-US" dirty="0" smtClean="0"/>
+              <a:rPr lang="en-US" dirty="0"/>
               <a:t>Data format manipulation </a:t>
             </a:r>
           </a:p>
           <a:p>
             <a:pPr lvl="1"/>
             <a:r>
-              <a:rPr lang="en-US" dirty="0" smtClean="0"/>
+              <a:rPr lang="en-US" dirty="0"/>
               <a:t>Translation to/from JSON</a:t>
             </a:r>
           </a:p>
           <a:p>
             <a:r>
-              <a:rPr lang="en-US" dirty="0" smtClean="0"/>
+              <a:rPr lang="en-US" dirty="0"/>
               <a:t>Readability</a:t>
             </a:r>
-            <a:endParaRPr lang="en-US" dirty="0"/>
           </a:p>
         </p:txBody>
       </p:sp>
@@ -10572,13 +10329,6 @@
   <p:clrMapOvr>
     <a:masterClrMapping/>
   </p:clrMapOvr>
-  <p:timing>
-    <p:tnLst>
-      <p:par>
-        <p:cTn xmlns:p14="http://schemas.microsoft.com/office/powerpoint/2010/main" id="1" dur="indefinite" restart="never" nodeType="tmRoot"/>
-      </p:par>
-    </p:tnLst>
-  </p:timing>
 </p:sld>
 </file>
 
@@ -10617,17 +10367,16 @@
           <a:lstStyle/>
           <a:p>
             <a:r>
-              <a:rPr lang="en-US" dirty="0" smtClean="0"/>
+              <a:rPr lang="en-US" dirty="0"/>
               <a:t>REST frameworks</a:t>
             </a:r>
             <a:br>
-              <a:rPr lang="en-US" dirty="0" smtClean="0"/>
+              <a:rPr lang="en-US" dirty="0"/>
             </a:br>
             <a:r>
-              <a:rPr lang="en-US" i="1" dirty="0" smtClean="0"/>
+              <a:rPr lang="en-US" i="1" dirty="0"/>
               <a:t>Too many to list</a:t>
             </a:r>
-            <a:endParaRPr lang="en-US" i="1" dirty="0"/>
           </a:p>
         </p:txBody>
       </p:sp>
@@ -10649,57 +10398,57 @@
           <a:lstStyle/>
           <a:p>
             <a:r>
-              <a:rPr lang="en-US" dirty="0" smtClean="0"/>
+              <a:rPr lang="en-US" dirty="0"/>
               <a:t>Java</a:t>
             </a:r>
           </a:p>
           <a:p>
             <a:pPr lvl="1"/>
             <a:r>
-              <a:rPr lang="en-US" dirty="0" smtClean="0"/>
+              <a:rPr lang="en-US" dirty="0"/>
               <a:t>JAX-RS, Spring Boot, </a:t>
             </a:r>
             <a:r>
-              <a:rPr lang="en-US" dirty="0" err="1" smtClean="0"/>
+              <a:rPr lang="en-US" dirty="0" err="1"/>
               <a:t>Dropwizard</a:t>
             </a:r>
             <a:r>
-              <a:rPr lang="en-US" dirty="0" smtClean="0"/>
+              <a:rPr lang="en-US" dirty="0"/>
               <a:t>, Play, WSO2 MSF4J, </a:t>
             </a:r>
             <a:r>
-              <a:rPr lang="en-US" dirty="0" err="1" smtClean="0"/>
+              <a:rPr lang="en-US" dirty="0" err="1"/>
               <a:t>etc</a:t>
             </a:r>
-            <a:endParaRPr lang="en-US" dirty="0" smtClean="0"/>
-          </a:p>
-          <a:p>
-            <a:r>
-              <a:rPr lang="en-US" dirty="0" smtClean="0"/>
+            <a:endParaRPr lang="en-US" dirty="0"/>
+          </a:p>
+          <a:p>
+            <a:r>
+              <a:rPr lang="en-US" dirty="0"/>
               <a:t>Node</a:t>
             </a:r>
           </a:p>
           <a:p>
             <a:pPr lvl="1"/>
             <a:r>
-              <a:rPr lang="en-US" dirty="0" smtClean="0"/>
+              <a:rPr lang="en-US" dirty="0"/>
               <a:t>Express, </a:t>
             </a:r>
             <a:r>
-              <a:rPr lang="en-US" dirty="0" err="1" smtClean="0"/>
+              <a:rPr lang="en-US" dirty="0" err="1"/>
               <a:t>Restify</a:t>
             </a:r>
-            <a:endParaRPr lang="en-US" dirty="0" smtClean="0"/>
-          </a:p>
-          <a:p>
-            <a:r>
-              <a:rPr lang="en-US" dirty="0" smtClean="0"/>
+            <a:endParaRPr lang="en-US" dirty="0"/>
+          </a:p>
+          <a:p>
+            <a:r>
+              <a:rPr lang="en-US" dirty="0"/>
               <a:t>.NET Web API</a:t>
             </a:r>
           </a:p>
           <a:p>
             <a:r>
-              <a:rPr lang="en-US" dirty="0" err="1" smtClean="0"/>
+              <a:rPr lang="en-US" dirty="0" err="1"/>
               <a:t>Erlang</a:t>
             </a:r>
             <a:endParaRPr lang="en-US" dirty="0"/>
@@ -10707,29 +10456,29 @@
           <a:p>
             <a:pPr lvl="1"/>
             <a:r>
-              <a:rPr lang="en-US" dirty="0" err="1" smtClean="0"/>
+              <a:rPr lang="en-US" dirty="0" err="1"/>
               <a:t>Leptus</a:t>
             </a:r>
             <a:r>
-              <a:rPr lang="en-US" dirty="0" smtClean="0"/>
+              <a:rPr lang="en-US" dirty="0"/>
               <a:t>, </a:t>
             </a:r>
             <a:r>
-              <a:rPr lang="en-US" dirty="0" err="1" smtClean="0"/>
+              <a:rPr lang="en-US" dirty="0" err="1"/>
               <a:t>WebMachine</a:t>
             </a:r>
-            <a:endParaRPr lang="en-US" dirty="0" smtClean="0"/>
-          </a:p>
-          <a:p>
-            <a:r>
-              <a:rPr lang="en-US" dirty="0" smtClean="0"/>
+            <a:endParaRPr lang="en-US" dirty="0"/>
+          </a:p>
+          <a:p>
+            <a:r>
+              <a:rPr lang="en-US" dirty="0"/>
               <a:t>Python</a:t>
             </a:r>
           </a:p>
           <a:p>
             <a:pPr lvl="1"/>
             <a:r>
-              <a:rPr lang="en-US" dirty="0" smtClean="0"/>
+              <a:rPr lang="en-US" dirty="0"/>
               <a:t>Eve</a:t>
             </a:r>
           </a:p>
@@ -10745,13 +10494,6 @@
   <p:clrMapOvr>
     <a:masterClrMapping/>
   </p:clrMapOvr>
-  <p:timing>
-    <p:tnLst>
-      <p:par>
-        <p:cTn xmlns:p14="http://schemas.microsoft.com/office/powerpoint/2010/main" id="1" dur="indefinite" restart="never" nodeType="tmRoot"/>
-      </p:par>
-    </p:tnLst>
-  </p:timing>
 </p:sld>
 </file>
 
@@ -10790,10 +10532,9 @@
           <a:lstStyle/>
           <a:p>
             <a:r>
-              <a:rPr lang="en-US" dirty="0" smtClean="0"/>
+              <a:rPr lang="en-US" dirty="0"/>
               <a:t>Why I propose JAX-RS for Java?</a:t>
             </a:r>
-            <a:endParaRPr lang="en-US" dirty="0"/>
           </a:p>
         </p:txBody>
       </p:sp>
@@ -10813,29 +10554,28 @@
           <a:lstStyle/>
           <a:p>
             <a:r>
-              <a:rPr lang="en-US" dirty="0" smtClean="0"/>
+              <a:rPr lang="en-US" dirty="0"/>
               <a:t>Lots of implementations is good</a:t>
             </a:r>
           </a:p>
           <a:p>
             <a:r>
-              <a:rPr lang="en-US" dirty="0" smtClean="0"/>
+              <a:rPr lang="en-US" dirty="0"/>
               <a:t>Pretty decent API</a:t>
             </a:r>
           </a:p>
           <a:p>
             <a:pPr lvl="1"/>
             <a:r>
-              <a:rPr lang="en-US" dirty="0" smtClean="0"/>
+              <a:rPr lang="en-US" dirty="0"/>
               <a:t>Clean looking code</a:t>
             </a:r>
           </a:p>
           <a:p>
             <a:r>
-              <a:rPr lang="en-US" dirty="0" smtClean="0"/>
+              <a:rPr lang="en-US" dirty="0"/>
               <a:t>Fast and effective</a:t>
             </a:r>
-            <a:endParaRPr lang="en-US" dirty="0"/>
           </a:p>
         </p:txBody>
       </p:sp>
@@ -10849,13 +10589,6 @@
   <p:clrMapOvr>
     <a:masterClrMapping/>
   </p:clrMapOvr>
-  <p:timing>
-    <p:tnLst>
-      <p:par>
-        <p:cTn xmlns:p14="http://schemas.microsoft.com/office/powerpoint/2010/main" id="1" dur="indefinite" restart="never" nodeType="tmRoot"/>
-      </p:par>
-    </p:tnLst>
-  </p:timing>
 </p:sld>
 </file>
 
@@ -10892,18 +10625,17 @@
           <a:lstStyle/>
           <a:p>
             <a:r>
-              <a:rPr lang="en-US" dirty="0" smtClean="0"/>
+              <a:rPr lang="en-US" dirty="0"/>
               <a:t>Why I use Express in </a:t>
             </a:r>
             <a:r>
-              <a:rPr lang="en-US" dirty="0" err="1" smtClean="0"/>
+              <a:rPr lang="en-US" dirty="0" err="1"/>
               <a:t>node.js</a:t>
             </a:r>
             <a:r>
-              <a:rPr lang="en-US" dirty="0" smtClean="0"/>
+              <a:rPr lang="en-US" dirty="0"/>
               <a:t>?</a:t>
             </a:r>
-            <a:endParaRPr lang="en-US" dirty="0"/>
           </a:p>
         </p:txBody>
       </p:sp>
@@ -10923,19 +10655,19 @@
           <a:lstStyle/>
           <a:p>
             <a:r>
-              <a:rPr lang="en-US" dirty="0" smtClean="0"/>
+              <a:rPr lang="en-US" dirty="0"/>
               <a:t>Simple</a:t>
             </a:r>
           </a:p>
           <a:p>
             <a:r>
-              <a:rPr lang="en-US" dirty="0" smtClean="0"/>
+              <a:rPr lang="en-US" dirty="0"/>
               <a:t>Good routing logic</a:t>
             </a:r>
           </a:p>
           <a:p>
             <a:r>
-              <a:rPr lang="en-US" dirty="0" smtClean="0"/>
+              <a:rPr lang="en-US" dirty="0"/>
               <a:t>Works well</a:t>
             </a:r>
           </a:p>
@@ -10957,13 +10689,6 @@
   <p:clrMapOvr>
     <a:masterClrMapping/>
   </p:clrMapOvr>
-  <p:timing>
-    <p:tnLst>
-      <p:par>
-        <p:cTn xmlns:p14="http://schemas.microsoft.com/office/powerpoint/2010/main" id="1" dur="indefinite" restart="never" nodeType="tmRoot"/>
-      </p:par>
-    </p:tnLst>
-  </p:timing>
 </p:sld>
 </file>
 
@@ -11003,7 +10728,7 @@
               <a:buNone/>
             </a:pPr>
             <a:r>
-              <a:rPr lang="en-US" sz="13800" dirty="0" err="1" smtClean="0">
+              <a:rPr lang="en-US" sz="13800" dirty="0" err="1">
                 <a:latin typeface="Avenir Black"/>
                 <a:cs typeface="Avenir Black"/>
               </a:rPr>
@@ -11026,13 +10751,6 @@
   <p:clrMapOvr>
     <a:masterClrMapping/>
   </p:clrMapOvr>
-  <p:timing>
-    <p:tnLst>
-      <p:par>
-        <p:cTn xmlns:p14="http://schemas.microsoft.com/office/powerpoint/2010/main" id="1" dur="indefinite" restart="never" nodeType="tmRoot"/>
-      </p:par>
-    </p:tnLst>
-  </p:timing>
 </p:sld>
 </file>
 
@@ -11069,10 +10787,9 @@
           <a:lstStyle/>
           <a:p>
             <a:r>
-              <a:rPr lang="en-US" dirty="0" smtClean="0"/>
+              <a:rPr lang="en-US" dirty="0"/>
               <a:t>Introducing JAX-RS Model</a:t>
             </a:r>
-            <a:endParaRPr lang="en-US" dirty="0"/>
           </a:p>
         </p:txBody>
       </p:sp>
@@ -11113,7 +10830,7 @@
               </a:tabLst>
             </a:pPr>
             <a:r>
-              <a:rPr lang="en-US" dirty="0" smtClean="0">
+              <a:rPr lang="en-US" dirty="0">
                 <a:ea typeface="Droid Sans Fallback" charset="0"/>
                 <a:cs typeface="Droid Sans Fallback" charset="0"/>
               </a:rPr>
@@ -11141,7 +10858,7 @@
               </a:tabLst>
             </a:pPr>
             <a:r>
-              <a:rPr lang="en-US" dirty="0" smtClean="0">
+              <a:rPr lang="en-US" dirty="0">
                 <a:ea typeface="Droid Sans Fallback" charset="0"/>
                 <a:cs typeface="Droid Sans Fallback" charset="0"/>
               </a:rPr>
@@ -11169,7 +10886,7 @@
               </a:tabLst>
             </a:pPr>
             <a:r>
-              <a:rPr lang="en-US" dirty="0" smtClean="0">
+              <a:rPr lang="en-US" dirty="0">
                 <a:ea typeface="Droid Sans Fallback" charset="0"/>
                 <a:cs typeface="Droid Sans Fallback" charset="0"/>
               </a:rPr>
@@ -11191,13 +10908,6 @@
   <p:clrMapOvr>
     <a:masterClrMapping/>
   </p:clrMapOvr>
-  <p:timing>
-    <p:tnLst>
-      <p:par>
-        <p:cTn xmlns:p14="http://schemas.microsoft.com/office/powerpoint/2010/main" id="1" dur="indefinite" restart="never" nodeType="tmRoot"/>
-      </p:par>
-    </p:tnLst>
-  </p:timing>
 </p:sld>
 </file>
 
